--- a/Courses/Computer-Modeling-and-IT/Computer-Modeling-and-IT-6-Class/06-Search-and-Replace-Text/06-Search-and-Replace-Text.pptx
+++ b/Courses/Computer-Modeling-and-IT/Computer-Modeling-and-IT-6-Class/06-Search-and-Replace-Text/06-Search-and-Replace-Text.pptx
@@ -213,6 +213,46 @@
 </p188:authorLst>
 </file>
 
+<file path=ppt/comments/modernComment_258_363CB300.xml><?xml version="1.0" encoding="utf-8"?>
+<p188:cmLst xmlns:a="http://schemas.openxmlformats.org/drawingml/2006/main" xmlns:r="http://schemas.openxmlformats.org/officeDocument/2006/relationships" xmlns:p188="http://schemas.microsoft.com/office/powerpoint/2018/8/main">
+  <p188:cm id="{04E8B3C1-5835-0144-BBAA-F3DD0753CCC2}" authorId="{61328A60-1351-1658-BC09-0F9214BEF0FD}" created="2024-06-07T12:59:59.738">
+    <ac:txMkLst xmlns:ac="http://schemas.microsoft.com/office/drawing/2013/main/command">
+      <pc:docMk xmlns:pc="http://schemas.microsoft.com/office/powerpoint/2013/main/command"/>
+      <pc:sldMk xmlns:pc="http://schemas.microsoft.com/office/powerpoint/2013/main/command" cId="909947648" sldId="600"/>
+      <ac:spMk id="3" creationId="{00000000-0000-0000-0000-000000000000}"/>
+      <ac:txMk cp="0" len="80">
+        <ac:context len="247" hash="4080383900"/>
+      </ac:txMk>
+    </ac:txMkLst>
+    <p188:pos x="6265482" y="434371"/>
+    <p188:replyLst>
+      <p188:reply id="{65E094F0-AC79-FE4C-A14F-C7E790A168F5}" authorId="{61328A60-1351-1658-BC09-0F9214BEF0FD}" created="2024-06-07T13:00:16.990">
+        <p188:txBody>
+          <a:bodyPr/>
+          <a:lstStyle/>
+          <a:p>
+            <a:r>
+              <a:rPr lang="bg-BG"/>
+              <a:t>Знам, че се вижда на скрийншота в предишния слайд, но според мен може да не направят връзката</a:t>
+            </a:r>
+          </a:p>
+        </p188:txBody>
+      </p188:reply>
+    </p188:replyLst>
+    <p188:txBody>
+      <a:bodyPr/>
+      <a:lstStyle/>
+      <a:p>
+        <a:r>
+          <a:rPr lang="bg-BG"/>
+          <a:t>TODO: да се покаже самия combo box. Също на български мисля че е "падащ списък"</a:t>
+        </a:r>
+      </a:p>
+    </p188:txBody>
+  </p188:cm>
+</p188:cmLst>
+</file>
+
 <file path=ppt/handoutMasters/handoutMaster1.xml><?xml version="1.0" encoding="utf-8"?>
 <p:handoutMaster xmlns:a="http://schemas.openxmlformats.org/drawingml/2006/main" xmlns:r="http://schemas.openxmlformats.org/officeDocument/2006/relationships" xmlns:p="http://schemas.openxmlformats.org/presentationml/2006/main">
   <p:cSld>
@@ -307,7 +347,7 @@
           <a:p>
             <a:fld id="{4E087215-0C8F-4762-A664-737A353EC9A4}" type="datetimeFigureOut">
               <a:rPr lang="bg-BG" smtClean="0"/>
-              <a:t>13.05.24 г.</a:t>
+              <a:t>7.06.24 г.</a:t>
             </a:fld>
             <a:endParaRPr lang="bg-BG"/>
           </a:p>
@@ -503,7 +543,7 @@
           <a:p>
             <a:fld id="{72D84649-876A-46C9-8472-14CB09C070D8}" type="datetimeFigureOut">
               <a:rPr lang="en-US" smtClean="0"/>
-              <a:t>5/13/24</a:t>
+              <a:t>6/7/24</a:t>
             </a:fld>
             <a:endParaRPr lang="en-US"/>
           </a:p>
@@ -1217,7 +1257,7 @@
           <a:bodyPr/>
           <a:lstStyle/>
           <a:p>
-            <a:endParaRPr lang="en-US" dirty="0"/>
+            <a:endParaRPr lang="bg-BG" dirty="0"/>
           </a:p>
         </p:txBody>
       </p:sp>
@@ -1228,7 +1268,7 @@
             <a:spLocks noGrp="1"/>
           </p:cNvSpPr>
           <p:nvPr>
-            <p:ph type="sldNum" sz="quarter" idx="10"/>
+            <p:ph type="sldNum" sz="quarter" idx="5"/>
           </p:nvPr>
         </p:nvSpPr>
         <p:spPr/>
@@ -1238,7 +1278,7 @@
           <a:p>
             <a:fld id="{2BF067CD-8E6B-4360-9AA8-C5DF2A48A6D1}" type="slidenum">
               <a:rPr lang="en-US" smtClean="0"/>
-              <a:t>14</a:t>
+              <a:t>7</a:t>
             </a:fld>
             <a:endParaRPr lang="en-US" dirty="0"/>
           </a:p>
@@ -1251,7 +1291,7 @@
             <a:spLocks noGrp="1"/>
           </p:cNvSpPr>
           <p:nvPr>
-            <p:ph type="ftr" sz="quarter" idx="11"/>
+            <p:ph type="ftr" sz="quarter" idx="4"/>
           </p:nvPr>
         </p:nvSpPr>
         <p:spPr/>
@@ -1284,7 +1324,7 @@
     </p:spTree>
     <p:extLst>
       <p:ext uri="{BB962C8B-B14F-4D97-AF65-F5344CB8AC3E}">
-        <p14:creationId xmlns:p14="http://schemas.microsoft.com/office/powerpoint/2010/main" val="2957350534"/>
+        <p14:creationId xmlns:p14="http://schemas.microsoft.com/office/powerpoint/2010/main" val="21665985"/>
       </p:ext>
     </p:extLst>
   </p:cSld>
@@ -1359,7 +1399,7 @@
           <a:p>
             <a:fld id="{2BF067CD-8E6B-4360-9AA8-C5DF2A48A6D1}" type="slidenum">
               <a:rPr lang="en-US" smtClean="0"/>
-              <a:t>23</a:t>
+              <a:t>14</a:t>
             </a:fld>
             <a:endParaRPr lang="en-US" dirty="0"/>
           </a:p>
@@ -1405,7 +1445,7 @@
     </p:spTree>
     <p:extLst>
       <p:ext uri="{BB962C8B-B14F-4D97-AF65-F5344CB8AC3E}">
-        <p14:creationId xmlns:p14="http://schemas.microsoft.com/office/powerpoint/2010/main" val="1513669857"/>
+        <p14:creationId xmlns:p14="http://schemas.microsoft.com/office/powerpoint/2010/main" val="2957350534"/>
       </p:ext>
     </p:extLst>
   </p:cSld>
@@ -1465,12 +1505,12 @@
       </p:sp>
       <p:sp>
         <p:nvSpPr>
-          <p:cNvPr id="4" name="Footer Placeholder 3"/>
+          <p:cNvPr id="4" name="Slide Number Placeholder 3"/>
           <p:cNvSpPr>
             <a:spLocks noGrp="1"/>
           </p:cNvSpPr>
           <p:nvPr>
-            <p:ph type="ftr" sz="quarter" idx="10"/>
+            <p:ph type="sldNum" sz="quarter" idx="10"/>
           </p:nvPr>
         </p:nvSpPr>
         <p:spPr/>
@@ -1478,48 +1518,22 @@
           <a:bodyPr/>
           <a:lstStyle/>
           <a:p>
-            <a:r>
-              <a:rPr lang="en-US" sz="1000" dirty="0"/>
-              <a:t>© Software University Foundation – </a:t>
-            </a:r>
-            <a:r>
-              <a:rPr lang="en-US" sz="1000" u="sng" dirty="0">
-                <a:hlinkClick r:id="rId3"/>
-              </a:rPr>
-              <a:t>http://softuni.org</a:t>
-            </a:r>
-            <a:endParaRPr lang="en-US" sz="1000" dirty="0"/>
-          </a:p>
-          <a:p>
-            <a:r>
-              <a:rPr lang="en-US" sz="1000" dirty="0"/>
-              <a:t>This work is licensed under the </a:t>
-            </a:r>
-            <a:r>
-              <a:rPr lang="en-US" sz="1000" u="sng" noProof="1">
-                <a:hlinkClick r:id="rId4"/>
-              </a:rPr>
-              <a:t>Creative Commons Attribution-NonCommercial-ShareAlike</a:t>
-            </a:r>
-            <a:r>
-              <a:rPr lang="en-US" sz="1000" noProof="1"/>
-              <a:t> </a:t>
-            </a:r>
-            <a:r>
-              <a:rPr lang="en-US" sz="1000" dirty="0"/>
-              <a:t>license.</a:t>
-            </a:r>
+            <a:fld id="{2BF067CD-8E6B-4360-9AA8-C5DF2A48A6D1}" type="slidenum">
+              <a:rPr lang="en-US" smtClean="0"/>
+              <a:t>23</a:t>
+            </a:fld>
+            <a:endParaRPr lang="en-US" dirty="0"/>
           </a:p>
         </p:txBody>
       </p:sp>
       <p:sp>
         <p:nvSpPr>
-          <p:cNvPr id="5" name="Slide Number Placeholder 4"/>
+          <p:cNvPr id="5" name="Footer Placeholder 4"/>
           <p:cNvSpPr>
             <a:spLocks noGrp="1"/>
           </p:cNvSpPr>
           <p:nvPr>
-            <p:ph type="sldNum" sz="quarter" idx="11"/>
+            <p:ph type="ftr" sz="quarter" idx="11"/>
           </p:nvPr>
         </p:nvSpPr>
         <p:spPr/>
@@ -1527,19 +1541,32 @@
           <a:bodyPr/>
           <a:lstStyle/>
           <a:p>
-            <a:fld id="{3EBA5BD7-F043-4D1B-AA17-CD412FC534DE}" type="slidenum">
-              <a:rPr lang="en-US" smtClean="0"/>
-              <a:pPr/>
-              <a:t>24</a:t>
-            </a:fld>
-            <a:endParaRPr lang="en-US" dirty="0"/>
+            <a:r>
+              <a:rPr lang="bg-BG" sz="1100"/>
+              <a:t>Работна група </a:t>
+            </a:r>
+            <a:r>
+              <a:rPr lang="bg-BG"/>
+              <a:t>"Образование по програмиране и ИТ"</a:t>
+            </a:r>
+            <a:r>
+              <a:rPr lang="bg-BG" sz="1100"/>
+              <a:t>, с подкрепата на </a:t>
+            </a:r>
+            <a:r>
+              <a:rPr lang="en-US" sz="1100">
+                <a:hlinkClick r:id="rId3"/>
+              </a:rPr>
+              <a:t>SoftUni</a:t>
+            </a:r>
+            <a:endParaRPr lang="en-US" sz="1100" dirty="0"/>
           </a:p>
         </p:txBody>
       </p:sp>
     </p:spTree>
     <p:extLst>
       <p:ext uri="{BB962C8B-B14F-4D97-AF65-F5344CB8AC3E}">
-        <p14:creationId xmlns:p14="http://schemas.microsoft.com/office/powerpoint/2010/main" val="2505804726"/>
+        <p14:creationId xmlns:p14="http://schemas.microsoft.com/office/powerpoint/2010/main" val="1513669857"/>
       </p:ext>
     </p:extLst>
   </p:cSld>
@@ -1599,6 +1626,140 @@
       </p:sp>
       <p:sp>
         <p:nvSpPr>
+          <p:cNvPr id="4" name="Footer Placeholder 3"/>
+          <p:cNvSpPr>
+            <a:spLocks noGrp="1"/>
+          </p:cNvSpPr>
+          <p:nvPr>
+            <p:ph type="ftr" sz="quarter" idx="10"/>
+          </p:nvPr>
+        </p:nvSpPr>
+        <p:spPr/>
+        <p:txBody>
+          <a:bodyPr/>
+          <a:lstStyle/>
+          <a:p>
+            <a:r>
+              <a:rPr lang="en-US" sz="1000" dirty="0"/>
+              <a:t>© Software University Foundation – </a:t>
+            </a:r>
+            <a:r>
+              <a:rPr lang="en-US" sz="1000" u="sng" dirty="0">
+                <a:hlinkClick r:id="rId3"/>
+              </a:rPr>
+              <a:t>http://softuni.org</a:t>
+            </a:r>
+            <a:endParaRPr lang="en-US" sz="1000" dirty="0"/>
+          </a:p>
+          <a:p>
+            <a:r>
+              <a:rPr lang="en-US" sz="1000" dirty="0"/>
+              <a:t>This work is licensed under the </a:t>
+            </a:r>
+            <a:r>
+              <a:rPr lang="en-US" sz="1000" u="sng" noProof="1">
+                <a:hlinkClick r:id="rId4"/>
+              </a:rPr>
+              <a:t>Creative Commons Attribution-NonCommercial-ShareAlike</a:t>
+            </a:r>
+            <a:r>
+              <a:rPr lang="en-US" sz="1000" noProof="1"/>
+              <a:t> </a:t>
+            </a:r>
+            <a:r>
+              <a:rPr lang="en-US" sz="1000" dirty="0"/>
+              <a:t>license.</a:t>
+            </a:r>
+          </a:p>
+        </p:txBody>
+      </p:sp>
+      <p:sp>
+        <p:nvSpPr>
+          <p:cNvPr id="5" name="Slide Number Placeholder 4"/>
+          <p:cNvSpPr>
+            <a:spLocks noGrp="1"/>
+          </p:cNvSpPr>
+          <p:nvPr>
+            <p:ph type="sldNum" sz="quarter" idx="11"/>
+          </p:nvPr>
+        </p:nvSpPr>
+        <p:spPr/>
+        <p:txBody>
+          <a:bodyPr/>
+          <a:lstStyle/>
+          <a:p>
+            <a:fld id="{3EBA5BD7-F043-4D1B-AA17-CD412FC534DE}" type="slidenum">
+              <a:rPr lang="en-US" smtClean="0"/>
+              <a:pPr/>
+              <a:t>24</a:t>
+            </a:fld>
+            <a:endParaRPr lang="en-US" dirty="0"/>
+          </a:p>
+        </p:txBody>
+      </p:sp>
+    </p:spTree>
+    <p:extLst>
+      <p:ext uri="{BB962C8B-B14F-4D97-AF65-F5344CB8AC3E}">
+        <p14:creationId xmlns:p14="http://schemas.microsoft.com/office/powerpoint/2010/main" val="2505804726"/>
+      </p:ext>
+    </p:extLst>
+  </p:cSld>
+  <p:clrMapOvr>
+    <a:masterClrMapping/>
+  </p:clrMapOvr>
+</p:notes>
+</file>
+
+<file path=ppt/notesSlides/notesSlide7.xml><?xml version="1.0" encoding="utf-8"?>
+<p:notes xmlns:a="http://schemas.openxmlformats.org/drawingml/2006/main" xmlns:r="http://schemas.openxmlformats.org/officeDocument/2006/relationships" xmlns:p="http://schemas.openxmlformats.org/presentationml/2006/main">
+  <p:cSld>
+    <p:spTree>
+      <p:nvGrpSpPr>
+        <p:cNvPr id="1" name=""/>
+        <p:cNvGrpSpPr/>
+        <p:nvPr/>
+      </p:nvGrpSpPr>
+      <p:grpSpPr>
+        <a:xfrm>
+          <a:off x="0" y="0"/>
+          <a:ext cx="0" cy="0"/>
+          <a:chOff x="0" y="0"/>
+          <a:chExt cx="0" cy="0"/>
+        </a:xfrm>
+      </p:grpSpPr>
+      <p:sp>
+        <p:nvSpPr>
+          <p:cNvPr id="2" name="Slide Image Placeholder 1"/>
+          <p:cNvSpPr>
+            <a:spLocks noGrp="1" noRot="1" noChangeAspect="1"/>
+          </p:cNvSpPr>
+          <p:nvPr>
+            <p:ph type="sldImg"/>
+          </p:nvPr>
+        </p:nvSpPr>
+        <p:spPr/>
+      </p:sp>
+      <p:sp>
+        <p:nvSpPr>
+          <p:cNvPr id="3" name="Notes Placeholder 2"/>
+          <p:cNvSpPr>
+            <a:spLocks noGrp="1"/>
+          </p:cNvSpPr>
+          <p:nvPr>
+            <p:ph type="body" idx="1"/>
+          </p:nvPr>
+        </p:nvSpPr>
+        <p:spPr/>
+        <p:txBody>
+          <a:bodyPr/>
+          <a:lstStyle/>
+          <a:p>
+            <a:endParaRPr lang="en-US" dirty="0"/>
+          </a:p>
+        </p:txBody>
+      </p:sp>
+      <p:sp>
+        <p:nvSpPr>
           <p:cNvPr id="7" name="Slide Number Placeholder 5">
             <a:extLst>
               <a:ext uri="{FF2B5EF4-FFF2-40B4-BE49-F238E27FC236}">
@@ -1779,7 +1940,7 @@
 </p:notes>
 </file>
 
-<file path=ppt/notesSlides/notesSlide7.xml><?xml version="1.0" encoding="utf-8"?>
+<file path=ppt/notesSlides/notesSlide8.xml><?xml version="1.0" encoding="utf-8"?>
 <p:notes xmlns:a="http://schemas.openxmlformats.org/drawingml/2006/main" xmlns:r="http://schemas.openxmlformats.org/officeDocument/2006/relationships" xmlns:p="http://schemas.openxmlformats.org/presentationml/2006/main">
   <p:cSld>
     <p:spTree>
@@ -7450,8 +7611,8 @@
         </p:nvSpPr>
         <p:spPr bwMode="auto">
           <a:xfrm>
-            <a:off x="696000" y="4008203"/>
-            <a:ext cx="5130000" cy="1665000"/>
+            <a:off x="1371000" y="4008203"/>
+            <a:ext cx="4455000" cy="1665000"/>
           </a:xfrm>
           <a:prstGeom prst="wedgeRoundRectCallout">
             <a:avLst>
@@ -7514,7 +7675,40 @@
                   </a:outerShdw>
                 </a:effectLst>
               </a:rPr>
-              <a:t>Така в текстовия документ се маркира първото място, на което се среща дадената дума</a:t>
+              <a:t>В документа се маркира </a:t>
+            </a:r>
+            <a:r>
+              <a:rPr lang="bg-BG" sz="2800" b="1" dirty="0">
+                <a:solidFill>
+                  <a:schemeClr val="accent1">
+                    <a:lumMod val="60000"/>
+                    <a:lumOff val="40000"/>
+                  </a:schemeClr>
+                </a:solidFill>
+                <a:effectLst>
+                  <a:outerShdw blurRad="38100" dist="38100" dir="2700000" algn="tl">
+                    <a:srgbClr val="000000">
+                      <a:alpha val="43137"/>
+                    </a:srgbClr>
+                  </a:outerShdw>
+                </a:effectLst>
+              </a:rPr>
+              <a:t>първото място</a:t>
+            </a:r>
+            <a:r>
+              <a:rPr lang="bg-BG" sz="2800" b="1" dirty="0">
+                <a:solidFill>
+                  <a:srgbClr val="FFFFFF"/>
+                </a:solidFill>
+                <a:effectLst>
+                  <a:outerShdw blurRad="38100" dist="38100" dir="2700000" algn="tl">
+                    <a:srgbClr val="000000">
+                      <a:alpha val="43137"/>
+                    </a:srgbClr>
+                  </a:outerShdw>
+                </a:effectLst>
+              </a:rPr>
+              <a:t>, на което се среща дадената дума</a:t>
             </a:r>
             <a:endParaRPr lang="en-US" sz="2800" b="1" dirty="0">
               <a:solidFill>
@@ -7539,13 +7733,13 @@
         </p:nvSpPr>
         <p:spPr bwMode="auto">
           <a:xfrm>
-            <a:off x="6002293" y="2221568"/>
-            <a:ext cx="5750737" cy="1799999"/>
+            <a:off x="6096000" y="2754000"/>
+            <a:ext cx="5750737" cy="1567431"/>
           </a:xfrm>
           <a:prstGeom prst="wedgeRoundRectCallout">
             <a:avLst>
-              <a:gd name="adj1" fmla="val -19628"/>
-              <a:gd name="adj2" fmla="val 105603"/>
+              <a:gd name="adj1" fmla="val -19934"/>
+              <a:gd name="adj2" fmla="val 102237"/>
               <a:gd name="adj3" fmla="val 16667"/>
             </a:avLst>
           </a:prstGeom>
@@ -7666,7 +7860,7 @@
                   </a:outerShdw>
                 </a:effectLst>
               </a:rPr>
-              <a:t>, ще се маркира следващото място, на което се среаща даденият текст</a:t>
+              <a:t>, ще се маркира следващото съвпадение</a:t>
             </a:r>
             <a:endParaRPr lang="en-US" sz="2800" b="1" dirty="0">
               <a:solidFill>
@@ -8553,8 +8747,8 @@
         </p:nvSpPr>
         <p:spPr bwMode="auto">
           <a:xfrm>
-            <a:off x="6983030" y="1629000"/>
-            <a:ext cx="4770000" cy="1800000"/>
+            <a:off x="7024726" y="1629000"/>
+            <a:ext cx="4352030" cy="1800000"/>
           </a:xfrm>
           <a:prstGeom prst="wedgeRoundRectCallout">
             <a:avLst>
@@ -8617,7 +8811,7 @@
                   </a:outerShdw>
                 </a:effectLst>
               </a:rPr>
-              <a:t>Така на прозореца </a:t>
+              <a:t>В прозореца </a:t>
             </a:r>
             <a:r>
               <a:rPr lang="en-US" sz="2800" b="1" dirty="0">
@@ -8778,11 +8972,32 @@
                   </a:outerShdw>
                 </a:effectLst>
               </a:rPr>
-              <a:t>Оттук може да добавяте различни условия при търсенето</a:t>
+              <a:t>Оттук може да добавяте </a:t>
+            </a:r>
+            <a:r>
+              <a:rPr lang="bg-BG" sz="2800" b="1" dirty="0">
+                <a:solidFill>
+                  <a:schemeClr val="accent1">
+                    <a:lumMod val="60000"/>
+                    <a:lumOff val="40000"/>
+                  </a:schemeClr>
+                </a:solidFill>
+                <a:effectLst>
+                  <a:outerShdw blurRad="38100" dist="38100" dir="2700000" algn="tl">
+                    <a:srgbClr val="000000">
+                      <a:alpha val="43137"/>
+                    </a:srgbClr>
+                  </a:outerShdw>
+                </a:effectLst>
+              </a:rPr>
+              <a:t>условия при търсенето</a:t>
             </a:r>
             <a:endParaRPr lang="en-US" sz="2800" b="1" dirty="0">
               <a:solidFill>
-                <a:srgbClr val="FFFFFF"/>
+                <a:schemeClr val="accent1">
+                  <a:lumMod val="60000"/>
+                  <a:lumOff val="40000"/>
+                </a:schemeClr>
               </a:solidFill>
               <a:effectLst>
                 <a:outerShdw blurRad="38100" dist="38100" dir="2700000" algn="tl">
@@ -8795,37 +9010,6 @@
           </a:p>
         </p:txBody>
       </p:sp>
-      <p:pic>
-        <p:nvPicPr>
-          <p:cNvPr id="8" name="Picture 7"/>
-          <p:cNvPicPr>
-            <a:picLocks noChangeAspect="1"/>
-          </p:cNvPicPr>
-          <p:nvPr/>
-        </p:nvPicPr>
-        <p:blipFill>
-          <a:blip r:embed="rId3"/>
-          <a:stretch>
-            <a:fillRect/>
-          </a:stretch>
-        </p:blipFill>
-        <p:spPr>
-          <a:xfrm>
-            <a:off x="6726000" y="4003799"/>
-            <a:ext cx="4239363" cy="1926983"/>
-          </a:xfrm>
-          <a:prstGeom prst="rect">
-            <a:avLst/>
-          </a:prstGeom>
-          <a:ln>
-            <a:solidFill>
-              <a:schemeClr val="bg2">
-                <a:lumMod val="75000"/>
-              </a:schemeClr>
-            </a:solidFill>
-          </a:ln>
-        </p:spPr>
-      </p:pic>
       <p:sp>
         <p:nvSpPr>
           <p:cNvPr id="9" name="Rectangle 8"/>
@@ -8892,39 +9076,6 @@
           </a:p>
         </p:txBody>
       </p:sp>
-      <p:cxnSp>
-        <p:nvCxnSpPr>
-          <p:cNvPr id="11" name="Straight Arrow Connector 10"/>
-          <p:cNvCxnSpPr/>
-          <p:nvPr/>
-        </p:nvCxnSpPr>
-        <p:spPr>
-          <a:xfrm>
-            <a:off x="5061000" y="4659596"/>
-            <a:ext cx="1305000" cy="378311"/>
-          </a:xfrm>
-          <a:prstGeom prst="straightConnector1">
-            <a:avLst/>
-          </a:prstGeom>
-          <a:ln w="76200">
-            <a:tailEnd type="triangle"/>
-          </a:ln>
-        </p:spPr>
-        <p:style>
-          <a:lnRef idx="1">
-            <a:schemeClr val="dk1"/>
-          </a:lnRef>
-          <a:fillRef idx="0">
-            <a:schemeClr val="dk1"/>
-          </a:fillRef>
-          <a:effectRef idx="0">
-            <a:schemeClr val="dk1"/>
-          </a:effectRef>
-          <a:fontRef idx="minor">
-            <a:schemeClr val="tx1"/>
-          </a:fontRef>
-        </p:style>
-      </p:cxnSp>
     </p:spTree>
     <p:extLst>
       <p:ext uri="{BB962C8B-B14F-4D97-AF65-F5344CB8AC3E}">
@@ -9054,7 +9205,7 @@
                             </p:stCondLst>
                             <p:childTnLst>
                               <p:par>
-                                <p:cTn id="13" presetID="1" presetClass="entr" presetSubtype="0" fill="hold" nodeType="clickEffect">
+                                <p:cTn id="13" presetID="1" presetClass="entr" presetSubtype="0" fill="hold" grpId="0" nodeType="clickEffect">
                                   <p:stCondLst>
                                     <p:cond delay="0"/>
                                   </p:stCondLst>
@@ -9062,96 +9213,6 @@
                                     <p:set>
                                       <p:cBhvr>
                                         <p:cTn id="14" dur="1" fill="hold">
-                                          <p:stCondLst>
-                                            <p:cond delay="0"/>
-                                          </p:stCondLst>
-                                        </p:cTn>
-                                        <p:tgtEl>
-                                          <p:spTgt spid="11"/>
-                                        </p:tgtEl>
-                                        <p:attrNameLst>
-                                          <p:attrName>style.visibility</p:attrName>
-                                        </p:attrNameLst>
-                                      </p:cBhvr>
-                                      <p:to>
-                                        <p:strVal val="visible"/>
-                                      </p:to>
-                                    </p:set>
-                                  </p:childTnLst>
-                                </p:cTn>
-                              </p:par>
-                            </p:childTnLst>
-                          </p:cTn>
-                        </p:par>
-                      </p:childTnLst>
-                    </p:cTn>
-                  </p:par>
-                  <p:par>
-                    <p:cTn id="15" fill="hold">
-                      <p:stCondLst>
-                        <p:cond delay="indefinite"/>
-                      </p:stCondLst>
-                      <p:childTnLst>
-                        <p:par>
-                          <p:cTn id="16" fill="hold">
-                            <p:stCondLst>
-                              <p:cond delay="0"/>
-                            </p:stCondLst>
-                            <p:childTnLst>
-                              <p:par>
-                                <p:cTn id="17" presetID="1" presetClass="entr" presetSubtype="0" fill="hold" nodeType="clickEffect">
-                                  <p:stCondLst>
-                                    <p:cond delay="0"/>
-                                  </p:stCondLst>
-                                  <p:childTnLst>
-                                    <p:set>
-                                      <p:cBhvr>
-                                        <p:cTn id="18" dur="1" fill="hold">
-                                          <p:stCondLst>
-                                            <p:cond delay="0"/>
-                                          </p:stCondLst>
-                                        </p:cTn>
-                                        <p:tgtEl>
-                                          <p:spTgt spid="8"/>
-                                        </p:tgtEl>
-                                        <p:attrNameLst>
-                                          <p:attrName>style.visibility</p:attrName>
-                                        </p:attrNameLst>
-                                      </p:cBhvr>
-                                      <p:to>
-                                        <p:strVal val="visible"/>
-                                      </p:to>
-                                    </p:set>
-                                  </p:childTnLst>
-                                </p:cTn>
-                              </p:par>
-                            </p:childTnLst>
-                          </p:cTn>
-                        </p:par>
-                      </p:childTnLst>
-                    </p:cTn>
-                  </p:par>
-                  <p:par>
-                    <p:cTn id="19" fill="hold">
-                      <p:stCondLst>
-                        <p:cond delay="indefinite"/>
-                      </p:stCondLst>
-                      <p:childTnLst>
-                        <p:par>
-                          <p:cTn id="20" fill="hold">
-                            <p:stCondLst>
-                              <p:cond delay="0"/>
-                            </p:stCondLst>
-                            <p:childTnLst>
-                              <p:par>
-                                <p:cTn id="21" presetID="1" presetClass="entr" presetSubtype="0" fill="hold" grpId="0" nodeType="clickEffect">
-                                  <p:stCondLst>
-                                    <p:cond delay="0"/>
-                                  </p:stCondLst>
-                                  <p:childTnLst>
-                                    <p:set>
-                                      <p:cBhvr>
-                                        <p:cTn id="22" dur="1" fill="hold">
                                           <p:stCondLst>
                                             <p:cond delay="0"/>
                                           </p:stCondLst>
@@ -9673,7 +9734,7 @@
           <p:nvPr/>
         </p:nvPicPr>
         <p:blipFill>
-          <a:blip r:embed="rId3" cstate="hqprint">
+          <a:blip r:embed="rId4" cstate="hqprint">
             <a:extLst>
               <a:ext uri="{28A0092B-C50C-407E-A947-70E740481C1C}">
                 <a14:useLocalDpi xmlns:a14="http://schemas.microsoft.com/office/drawing/2010/main" val="0"/>
@@ -10530,6 +10591,11 @@
       <p:bldP spid="8" grpId="0" animBg="1"/>
     </p:bldLst>
   </p:timing>
+  <p:extLst>
+    <p:ext uri="{6950BFC3-D8DA-4A85-94F7-54DA5524770B}">
+      <p188:commentRel xmlns:p188="http://schemas.microsoft.com/office/powerpoint/2018/8/main" r:id="rId3"/>
+    </p:ext>
+  </p:extLst>
 </p:sld>
 </file>
 
@@ -10721,23 +10787,43 @@
           <a:p>
             <a:r>
               <a:rPr lang="bg-BG" dirty="0"/>
-              <a:t>Когато искаме да се отчита разликата между </a:t>
+              <a:t>По подразбиране </a:t>
             </a:r>
             <a:r>
               <a:rPr lang="bg-BG" b="1" dirty="0"/>
-              <a:t>малки</a:t>
+              <a:t>главните </a:t>
             </a:r>
             <a:r>
               <a:rPr lang="bg-BG" dirty="0"/>
-              <a:t> и </a:t>
+              <a:t>букви</a:t>
             </a:r>
             <a:r>
               <a:rPr lang="bg-BG" b="1" dirty="0"/>
-              <a:t>главни букви</a:t>
+              <a:t> не се различават </a:t>
             </a:r>
             <a:r>
               <a:rPr lang="bg-BG" dirty="0"/>
-              <a:t>, се използва отметката </a:t>
+              <a:t>от </a:t>
+            </a:r>
+            <a:r>
+              <a:rPr lang="bg-BG" b="1" dirty="0"/>
+              <a:t>малките</a:t>
+            </a:r>
+            <a:endParaRPr lang="bg-BG" dirty="0"/>
+          </a:p>
+          <a:p>
+            <a:pPr lvl="1"/>
+            <a:r>
+              <a:rPr lang="bg-BG" dirty="0"/>
+              <a:t>Когато искаме </a:t>
+            </a:r>
+            <a:r>
+              <a:rPr lang="bg-BG" b="1" dirty="0"/>
+              <a:t>да се отчита разликата</a:t>
+            </a:r>
+            <a:r>
+              <a:rPr lang="bg-BG" dirty="0"/>
+              <a:t>, използваме отметката </a:t>
             </a:r>
             <a:r>
               <a:rPr lang="en-US" b="1" dirty="0">
@@ -10747,34 +10833,6 @@
               </a:rPr>
               <a:t>Match case</a:t>
             </a:r>
-          </a:p>
-          <a:p>
-            <a:pPr lvl="1"/>
-            <a:r>
-              <a:rPr lang="bg-BG" dirty="0"/>
-              <a:t>По подразбиране </a:t>
-            </a:r>
-            <a:r>
-              <a:rPr lang="bg-BG" b="1" dirty="0"/>
-              <a:t>големите букви </a:t>
-            </a:r>
-            <a:r>
-              <a:rPr lang="bg-BG" dirty="0"/>
-              <a:t>се </a:t>
-            </a:r>
-            <a:r>
-              <a:rPr lang="bg-BG" b="1" dirty="0"/>
-              <a:t>считат</a:t>
-            </a:r>
-            <a:r>
-              <a:rPr lang="bg-BG" dirty="0"/>
-              <a:t> за </a:t>
-            </a:r>
-            <a:r>
-              <a:rPr lang="bg-BG" b="1" dirty="0"/>
-              <a:t>малки</a:t>
-            </a:r>
-            <a:endParaRPr lang="bg-BG" dirty="0"/>
           </a:p>
         </p:txBody>
       </p:sp>
@@ -11160,7 +11218,7 @@
                             </p:stCondLst>
                             <p:childTnLst>
                               <p:par>
-                                <p:cTn id="5" presetID="1" presetClass="entr" presetSubtype="0" fill="hold" nodeType="clickEffect">
+                                <p:cTn id="5" presetID="1" presetClass="entr" presetSubtype="0" fill="hold" grpId="0" nodeType="clickEffect">
                                   <p:stCondLst>
                                     <p:cond delay="0"/>
                                   </p:stCondLst>
@@ -11173,11 +11231,34 @@
                                           </p:stCondLst>
                                         </p:cTn>
                                         <p:tgtEl>
-                                          <p:spTgt spid="3">
-                                            <p:txEl>
-                                              <p:pRg st="1" end="1"/>
-                                            </p:txEl>
-                                          </p:spTgt>
+                                          <p:spTgt spid="6"/>
+                                        </p:tgtEl>
+                                        <p:attrNameLst>
+                                          <p:attrName>style.visibility</p:attrName>
+                                        </p:attrNameLst>
+                                      </p:cBhvr>
+                                      <p:to>
+                                        <p:strVal val="visible"/>
+                                      </p:to>
+                                    </p:set>
+                                  </p:childTnLst>
+                                </p:cTn>
+                              </p:par>
+                              <p:par>
+                                <p:cTn id="7" presetID="1" presetClass="entr" presetSubtype="0" fill="hold" grpId="0" nodeType="withEffect">
+                                  <p:stCondLst>
+                                    <p:cond delay="0"/>
+                                  </p:stCondLst>
+                                  <p:childTnLst>
+                                    <p:set>
+                                      <p:cBhvr>
+                                        <p:cTn id="8" dur="1" fill="hold">
+                                          <p:stCondLst>
+                                            <p:cond delay="0"/>
+                                          </p:stCondLst>
+                                        </p:cTn>
+                                        <p:tgtEl>
+                                          <p:spTgt spid="5"/>
                                         </p:tgtEl>
                                         <p:attrNameLst>
                                           <p:attrName>style.visibility</p:attrName>
@@ -11197,46 +11278,19 @@
                     </p:cTn>
                   </p:par>
                   <p:par>
-                    <p:cTn id="7" fill="hold">
+                    <p:cTn id="9" fill="hold">
                       <p:stCondLst>
                         <p:cond delay="indefinite"/>
                       </p:stCondLst>
                       <p:childTnLst>
                         <p:par>
-                          <p:cTn id="8" fill="hold">
+                          <p:cTn id="10" fill="hold">
                             <p:stCondLst>
                               <p:cond delay="0"/>
                             </p:stCondLst>
                             <p:childTnLst>
                               <p:par>
-                                <p:cTn id="9" presetID="1" presetClass="entr" presetSubtype="0" fill="hold" grpId="0" nodeType="clickEffect">
-                                  <p:stCondLst>
-                                    <p:cond delay="0"/>
-                                  </p:stCondLst>
-                                  <p:childTnLst>
-                                    <p:set>
-                                      <p:cBhvr>
-                                        <p:cTn id="10" dur="1" fill="hold">
-                                          <p:stCondLst>
-                                            <p:cond delay="0"/>
-                                          </p:stCondLst>
-                                        </p:cTn>
-                                        <p:tgtEl>
-                                          <p:spTgt spid="6"/>
-                                        </p:tgtEl>
-                                        <p:attrNameLst>
-                                          <p:attrName>style.visibility</p:attrName>
-                                        </p:attrNameLst>
-                                      </p:cBhvr>
-                                      <p:to>
-                                        <p:strVal val="visible"/>
-                                      </p:to>
-                                    </p:set>
-                                  </p:childTnLst>
-                                </p:cTn>
-                              </p:par>
-                              <p:par>
-                                <p:cTn id="11" presetID="1" presetClass="entr" presetSubtype="0" fill="hold" grpId="0" nodeType="withEffect">
+                                <p:cTn id="11" presetID="1" presetClass="entr" presetSubtype="0" fill="hold" nodeType="clickEffect">
                                   <p:stCondLst>
                                     <p:cond delay="0"/>
                                   </p:stCondLst>
@@ -11249,7 +11303,11 @@
                                           </p:stCondLst>
                                         </p:cTn>
                                         <p:tgtEl>
-                                          <p:spTgt spid="5"/>
+                                          <p:spTgt spid="3">
+                                            <p:txEl>
+                                              <p:pRg st="1" end="1"/>
+                                            </p:txEl>
+                                          </p:spTgt>
                                         </p:tgtEl>
                                         <p:attrNameLst>
                                           <p:attrName>style.visibility</p:attrName>
@@ -11693,7 +11751,7 @@
             </a:r>
             <a:r>
               <a:rPr lang="bg-BG" b="1" dirty="0"/>
-              <a:t>цели думу</a:t>
+              <a:t>цели думи</a:t>
             </a:r>
             <a:endParaRPr lang="en-US" b="1" dirty="0"/>
           </a:p>
@@ -12760,7 +12818,7 @@
                   </a:outerShdw>
                 </a:effectLst>
               </a:rPr>
-              <a:t>Така се отваря познатият ни диалогов прозорец </a:t>
+              <a:t>Така се отваря диалоговият прозорец </a:t>
             </a:r>
             <a:r>
               <a:rPr lang="en-US" sz="2800" b="1" dirty="0">
@@ -13419,13 +13477,13 @@
         </p:nvSpPr>
         <p:spPr bwMode="auto">
           <a:xfrm>
-            <a:off x="4791000" y="1044117"/>
-            <a:ext cx="4230000" cy="1620000"/>
+            <a:off x="4791000" y="1178999"/>
+            <a:ext cx="4230000" cy="1485117"/>
           </a:xfrm>
           <a:prstGeom prst="wedgeRoundRectCallout">
             <a:avLst>
-              <a:gd name="adj1" fmla="val -79789"/>
-              <a:gd name="adj2" fmla="val 149733"/>
+              <a:gd name="adj1" fmla="val -80049"/>
+              <a:gd name="adj2" fmla="val 157893"/>
               <a:gd name="adj3" fmla="val 16667"/>
             </a:avLst>
           </a:prstGeom>
@@ -13483,7 +13541,7 @@
                   </a:outerShdw>
                 </a:effectLst>
               </a:rPr>
-              <a:t>А в </a:t>
+              <a:t>В </a:t>
             </a:r>
             <a:r>
               <a:rPr lang="en-US" sz="2800" b="1" dirty="0">
@@ -15319,7 +15377,7 @@
             </a:r>
             <a:r>
               <a:rPr lang="ru-RU" b="1" dirty="0"/>
-              <a:t>търсите помощ </a:t>
+              <a:t>търсим помощ </a:t>
             </a:r>
             <a:r>
               <a:rPr lang="ru-RU" dirty="0"/>
@@ -15331,7 +15389,7 @@
             </a:r>
             <a:r>
               <a:rPr lang="ru-RU" dirty="0"/>
-              <a:t> им </a:t>
+              <a:t> ни </a:t>
             </a:r>
             <a:r>
               <a:rPr lang="ru-RU" b="1" dirty="0"/>
@@ -15465,6 +15523,85 @@
       <p:transition spd="slow" advClick="0" advTm="5000"/>
     </mc:Fallback>
   </mc:AlternateContent>
+  <p:timing>
+    <p:tnLst>
+      <p:par>
+        <p:cTn id="1" dur="indefinite" restart="never" nodeType="tmRoot">
+          <p:childTnLst>
+            <p:seq concurrent="1" nextAc="seek">
+              <p:cTn id="2" dur="indefinite" nodeType="mainSeq">
+                <p:childTnLst>
+                  <p:par>
+                    <p:cTn id="3" fill="hold">
+                      <p:stCondLst>
+                        <p:cond delay="indefinite"/>
+                      </p:stCondLst>
+                      <p:childTnLst>
+                        <p:par>
+                          <p:cTn id="4" fill="hold">
+                            <p:stCondLst>
+                              <p:cond delay="0"/>
+                            </p:stCondLst>
+                            <p:childTnLst>
+                              <p:par>
+                                <p:cTn id="5" presetID="1" presetClass="entr" presetSubtype="0" fill="hold" nodeType="clickEffect">
+                                  <p:stCondLst>
+                                    <p:cond delay="0"/>
+                                  </p:stCondLst>
+                                  <p:childTnLst>
+                                    <p:set>
+                                      <p:cBhvr>
+                                        <p:cTn id="6" dur="1" fill="hold">
+                                          <p:stCondLst>
+                                            <p:cond delay="0"/>
+                                          </p:stCondLst>
+                                        </p:cTn>
+                                        <p:tgtEl>
+                                          <p:spTgt spid="5">
+                                            <p:txEl>
+                                              <p:pRg st="1" end="1"/>
+                                            </p:txEl>
+                                          </p:spTgt>
+                                        </p:tgtEl>
+                                        <p:attrNameLst>
+                                          <p:attrName>style.visibility</p:attrName>
+                                        </p:attrNameLst>
+                                      </p:cBhvr>
+                                      <p:to>
+                                        <p:strVal val="visible"/>
+                                      </p:to>
+                                    </p:set>
+                                  </p:childTnLst>
+                                </p:cTn>
+                              </p:par>
+                            </p:childTnLst>
+                          </p:cTn>
+                        </p:par>
+                      </p:childTnLst>
+                    </p:cTn>
+                  </p:par>
+                </p:childTnLst>
+              </p:cTn>
+              <p:prevCondLst>
+                <p:cond evt="onPrev" delay="0">
+                  <p:tgtEl>
+                    <p:sldTgt/>
+                  </p:tgtEl>
+                </p:cond>
+              </p:prevCondLst>
+              <p:nextCondLst>
+                <p:cond evt="onNext" delay="0">
+                  <p:tgtEl>
+                    <p:sldTgt/>
+                  </p:tgtEl>
+                </p:cond>
+              </p:nextCondLst>
+            </p:seq>
+          </p:childTnLst>
+        </p:cTn>
+      </p:par>
+    </p:tnLst>
+  </p:timing>
 </p:sld>
 </file>
 
@@ -15556,15 +15693,27 @@
           <a:p>
             <a:r>
               <a:rPr lang="bg-BG" dirty="0"/>
-              <a:t>Тук всеки потребител може да търси решение за справяне с даден проблем  при работа с продукт на </a:t>
-            </a:r>
-            <a:r>
-              <a:rPr lang="en-US" b="1" dirty="0"/>
-              <a:t>MS Office</a:t>
+              <a:t>Тук всеки потребител може да търси </a:t>
             </a:r>
             <a:r>
               <a:rPr lang="bg-BG" b="1" dirty="0"/>
-              <a:t> </a:t>
+              <a:t>решение</a:t>
+            </a:r>
+            <a:r>
+              <a:rPr lang="bg-BG" dirty="0"/>
+              <a:t> за даден </a:t>
+            </a:r>
+            <a:r>
+              <a:rPr lang="bg-BG" b="1" dirty="0"/>
+              <a:t>проблем</a:t>
+            </a:r>
+            <a:r>
+              <a:rPr lang="bg-BG" dirty="0"/>
+              <a:t> или </a:t>
+            </a:r>
+            <a:r>
+              <a:rPr lang="bg-BG" b="1" dirty="0"/>
+              <a:t>въпрос</a:t>
             </a:r>
             <a:endParaRPr lang="ru-RU" b="1" dirty="0"/>
           </a:p>
@@ -17659,7 +17808,7 @@
             </a:r>
             <a:r>
               <a:rPr lang="ru-RU" dirty="0"/>
-              <a:t> за търсене и замяна се намират на </a:t>
+              <a:t> за търсене и замяна се намират в </a:t>
             </a:r>
             <a:r>
               <a:rPr lang="ru-RU" b="1" dirty="0"/>
@@ -17679,7 +17828,7 @@
             </a:r>
             <a:r>
               <a:rPr lang="bg-BG" dirty="0"/>
-              <a:t>в </a:t>
+              <a:t>от </a:t>
             </a:r>
             <a:r>
               <a:rPr lang="bg-BG" b="1" dirty="0"/>
@@ -17719,81 +17868,79 @@
           </a:p>
         </p:txBody>
       </p:sp>
-      <p:grpSp>
-        <p:nvGrpSpPr>
-          <p:cNvPr id="9" name="Group 8"/>
-          <p:cNvGrpSpPr/>
+      <p:sp>
+        <p:nvSpPr>
+          <p:cNvPr id="2" name="Slide Number Placeholder 1">
+            <a:extLst>
+              <a:ext uri="{FF2B5EF4-FFF2-40B4-BE49-F238E27FC236}">
+                <a16:creationId xmlns:a16="http://schemas.microsoft.com/office/drawing/2014/main" id="{4EB3D727-AE1C-171A-E3D4-94872194DDDF}"/>
+              </a:ext>
+            </a:extLst>
+          </p:cNvPr>
+          <p:cNvSpPr>
+            <a:spLocks noGrp="1"/>
+          </p:cNvSpPr>
+          <p:nvPr>
+            <p:ph type="sldNum" sz="quarter" idx="5"/>
+          </p:nvPr>
+        </p:nvSpPr>
+        <p:spPr/>
+        <p:txBody>
+          <a:bodyPr/>
+          <a:lstStyle/>
+          <a:p>
+            <a:fld id="{2BF067CD-8E6B-4360-9AA8-C5DF2A48A6D1}" type="slidenum">
+              <a:rPr lang="en-US" noProof="0" smtClean="0"/>
+              <a:pPr/>
+              <a:t>4</a:t>
+            </a:fld>
+            <a:endParaRPr lang="en-US" noProof="0" dirty="0"/>
+          </a:p>
+        </p:txBody>
+      </p:sp>
+      <p:pic>
+        <p:nvPicPr>
+          <p:cNvPr id="11" name="Picture 10" descr="A screenshot of a computer&#10;&#10;Description automatically generated">
+            <a:extLst>
+              <a:ext uri="{FF2B5EF4-FFF2-40B4-BE49-F238E27FC236}">
+                <a16:creationId xmlns:a16="http://schemas.microsoft.com/office/drawing/2014/main" id="{6155A257-7053-4E29-C76C-94A5ECAB0B05}"/>
+              </a:ext>
+            </a:extLst>
+          </p:cNvPr>
+          <p:cNvPicPr>
+            <a:picLocks noChangeAspect="1"/>
+          </p:cNvPicPr>
           <p:nvPr/>
-        </p:nvGrpSpPr>
-        <p:grpSpPr>
+        </p:nvPicPr>
+        <p:blipFill>
+          <a:blip r:embed="rId2">
+            <a:extLst>
+              <a:ext uri="{28A0092B-C50C-407E-A947-70E740481C1C}">
+                <a14:useLocalDpi xmlns:a14="http://schemas.microsoft.com/office/drawing/2010/main" val="0"/>
+              </a:ext>
+            </a:extLst>
+          </a:blip>
+          <a:stretch>
+            <a:fillRect/>
+          </a:stretch>
+        </p:blipFill>
+        <p:spPr>
           <a:xfrm>
-            <a:off x="484577" y="3924000"/>
-            <a:ext cx="10781449" cy="2250000"/>
-            <a:chOff x="618761" y="3879000"/>
-            <a:chExt cx="6353882" cy="1326003"/>
+            <a:off x="866599" y="3977123"/>
+            <a:ext cx="10458802" cy="2183028"/>
           </a:xfrm>
-        </p:grpSpPr>
-        <p:pic>
-          <p:nvPicPr>
-            <p:cNvPr id="7" name="Picture 6"/>
-            <p:cNvPicPr>
-              <a:picLocks noChangeAspect="1"/>
-            </p:cNvPicPr>
-            <p:nvPr/>
-          </p:nvPicPr>
-          <p:blipFill rotWithShape="1">
-            <a:blip r:embed="rId2"/>
-            <a:srcRect l="1137" r="67611"/>
-            <a:stretch/>
-          </p:blipFill>
-          <p:spPr>
-            <a:xfrm>
-              <a:off x="618761" y="3879000"/>
-              <a:ext cx="2777240" cy="1326003"/>
-            </a:xfrm>
-            <a:prstGeom prst="rect">
-              <a:avLst/>
-            </a:prstGeom>
-            <a:ln>
-              <a:solidFill>
-                <a:schemeClr val="bg2">
-                  <a:lumMod val="75000"/>
-                </a:schemeClr>
-              </a:solidFill>
-            </a:ln>
-          </p:spPr>
-        </p:pic>
-        <p:pic>
-          <p:nvPicPr>
-            <p:cNvPr id="8" name="Picture 7"/>
-            <p:cNvPicPr>
-              <a:picLocks noChangeAspect="1"/>
-            </p:cNvPicPr>
-            <p:nvPr/>
-          </p:nvPicPr>
-          <p:blipFill rotWithShape="1">
-            <a:blip r:embed="rId2"/>
-            <a:srcRect l="59228" r="523"/>
-            <a:stretch/>
-          </p:blipFill>
-          <p:spPr>
-            <a:xfrm>
-              <a:off x="3396001" y="3879000"/>
-              <a:ext cx="3576642" cy="1326003"/>
-            </a:xfrm>
-            <a:prstGeom prst="rect">
-              <a:avLst/>
-            </a:prstGeom>
-            <a:ln>
-              <a:solidFill>
-                <a:schemeClr val="bg2">
-                  <a:lumMod val="75000"/>
-                </a:schemeClr>
-              </a:solidFill>
-            </a:ln>
-          </p:spPr>
-        </p:pic>
-      </p:grpSp>
+          <a:prstGeom prst="rect">
+            <a:avLst/>
+          </a:prstGeom>
+          <a:ln>
+            <a:solidFill>
+              <a:schemeClr val="bg2">
+                <a:lumMod val="75000"/>
+              </a:schemeClr>
+            </a:solidFill>
+          </a:ln>
+        </p:spPr>
+      </p:pic>
       <p:sp>
         <p:nvSpPr>
           <p:cNvPr id="10" name="Rectangle 9"/>
@@ -17802,7 +17949,7 @@
         </p:nvSpPr>
         <p:spPr bwMode="auto">
           <a:xfrm>
-            <a:off x="9876000" y="4464000"/>
+            <a:off x="9953204" y="4480615"/>
             <a:ext cx="1362796" cy="1679536"/>
           </a:xfrm>
           <a:prstGeom prst="rect">
@@ -17857,36 +18004,6 @@
                 </a:outerShdw>
               </a:effectLst>
             </a:endParaRPr>
-          </a:p>
-        </p:txBody>
-      </p:sp>
-      <p:sp>
-        <p:nvSpPr>
-          <p:cNvPr id="2" name="Slide Number Placeholder 1">
-            <a:extLst>
-              <a:ext uri="{FF2B5EF4-FFF2-40B4-BE49-F238E27FC236}">
-                <a16:creationId xmlns:a16="http://schemas.microsoft.com/office/drawing/2014/main" id="{4EB3D727-AE1C-171A-E3D4-94872194DDDF}"/>
-              </a:ext>
-            </a:extLst>
-          </p:cNvPr>
-          <p:cNvSpPr>
-            <a:spLocks noGrp="1"/>
-          </p:cNvSpPr>
-          <p:nvPr>
-            <p:ph type="sldNum" sz="quarter" idx="5"/>
-          </p:nvPr>
-        </p:nvSpPr>
-        <p:spPr/>
-        <p:txBody>
-          <a:bodyPr/>
-          <a:lstStyle/>
-          <a:p>
-            <a:fld id="{2BF067CD-8E6B-4360-9AA8-C5DF2A48A6D1}" type="slidenum">
-              <a:rPr lang="en-US" noProof="0" smtClean="0"/>
-              <a:pPr/>
-              <a:t>4</a:t>
-            </a:fld>
-            <a:endParaRPr lang="en-US" noProof="0" dirty="0"/>
           </a:p>
         </p:txBody>
       </p:sp>
@@ -17978,7 +18095,7 @@
                             </p:stCondLst>
                             <p:childTnLst>
                               <p:par>
-                                <p:cTn id="9" presetID="1" presetClass="entr" presetSubtype="0" fill="hold" nodeType="clickEffect">
+                                <p:cTn id="9" presetID="1" presetClass="entr" presetSubtype="0" fill="hold" grpId="0" nodeType="clickEffect">
                                   <p:stCondLst>
                                     <p:cond delay="0"/>
                                   </p:stCondLst>
@@ -17986,51 +18103,6 @@
                                     <p:set>
                                       <p:cBhvr>
                                         <p:cTn id="10" dur="1" fill="hold">
-                                          <p:stCondLst>
-                                            <p:cond delay="0"/>
-                                          </p:stCondLst>
-                                        </p:cTn>
-                                        <p:tgtEl>
-                                          <p:spTgt spid="9"/>
-                                        </p:tgtEl>
-                                        <p:attrNameLst>
-                                          <p:attrName>style.visibility</p:attrName>
-                                        </p:attrNameLst>
-                                      </p:cBhvr>
-                                      <p:to>
-                                        <p:strVal val="visible"/>
-                                      </p:to>
-                                    </p:set>
-                                  </p:childTnLst>
-                                </p:cTn>
-                              </p:par>
-                            </p:childTnLst>
-                          </p:cTn>
-                        </p:par>
-                      </p:childTnLst>
-                    </p:cTn>
-                  </p:par>
-                  <p:par>
-                    <p:cTn id="11" fill="hold">
-                      <p:stCondLst>
-                        <p:cond delay="indefinite"/>
-                      </p:stCondLst>
-                      <p:childTnLst>
-                        <p:par>
-                          <p:cTn id="12" fill="hold">
-                            <p:stCondLst>
-                              <p:cond delay="0"/>
-                            </p:stCondLst>
-                            <p:childTnLst>
-                              <p:par>
-                                <p:cTn id="13" presetID="1" presetClass="entr" presetSubtype="0" fill="hold" grpId="0" nodeType="clickEffect">
-                                  <p:stCondLst>
-                                    <p:cond delay="0"/>
-                                  </p:stCondLst>
-                                  <p:childTnLst>
-                                    <p:set>
-                                      <p:cBhvr>
-                                        <p:cTn id="14" dur="1" fill="hold">
                                           <p:stCondLst>
                                             <p:cond delay="0"/>
                                           </p:stCondLst>
@@ -19450,7 +19522,7 @@
         </p:nvSpPr>
         <p:spPr bwMode="auto">
           <a:xfrm>
-            <a:off x="8087030" y="2979000"/>
+            <a:off x="8109484" y="3094139"/>
             <a:ext cx="3666000" cy="1170000"/>
           </a:xfrm>
           <a:prstGeom prst="wedgeRoundRectCallout">
@@ -19857,21 +19929,24 @@
                   <a:schemeClr val="bg1"/>
                 </a:solidFill>
               </a:rPr>
-              <a:t>F</a:t>
-            </a:r>
-            <a:r>
-              <a:rPr lang="ru-RU" b="1" dirty="0" err="1">
-                <a:solidFill>
-                  <a:schemeClr val="bg1"/>
-                </a:solidFill>
-              </a:rPr>
-              <a:t>ind</a:t>
-            </a:r>
-            <a:endParaRPr lang="ru-RU" b="1" dirty="0">
-              <a:solidFill>
-                <a:schemeClr val="bg1"/>
-              </a:solidFill>
-            </a:endParaRPr>
+              <a:t>Find </a:t>
+            </a:r>
+            <a:r>
+              <a:rPr lang="ru-RU" dirty="0"/>
+              <a:t>(</a:t>
+            </a:r>
+            <a:r>
+              <a:rPr lang="bg-BG" b="1" dirty="0"/>
+              <a:t>разширено </a:t>
+            </a:r>
+            <a:r>
+              <a:rPr lang="ru-RU" b="1" dirty="0"/>
+              <a:t>търсене</a:t>
+            </a:r>
+            <a:r>
+              <a:rPr lang="ru-RU" dirty="0"/>
+              <a:t>)</a:t>
+            </a:r>
           </a:p>
           <a:p>
             <a:endParaRPr lang="en-US" dirty="0"/>
@@ -19909,14 +19984,14 @@
           <p:nvPr/>
         </p:nvPicPr>
         <p:blipFill>
-          <a:blip r:embed="rId2"/>
+          <a:blip r:embed="rId3"/>
           <a:stretch>
             <a:fillRect/>
           </a:stretch>
         </p:blipFill>
         <p:spPr>
           <a:xfrm>
-            <a:off x="3862079" y="3069000"/>
+            <a:off x="3865093" y="3069000"/>
             <a:ext cx="1980000" cy="2434866"/>
           </a:xfrm>
           <a:prstGeom prst="rect">
@@ -19940,14 +20015,14 @@
           <p:nvPr/>
         </p:nvPicPr>
         <p:blipFill>
-          <a:blip r:embed="rId3"/>
+          <a:blip r:embed="rId4"/>
           <a:stretch>
             <a:fillRect/>
           </a:stretch>
         </p:blipFill>
         <p:spPr>
           <a:xfrm>
-            <a:off x="3077986" y="3834295"/>
+            <a:off x="3081000" y="3834295"/>
             <a:ext cx="3548186" cy="1847001"/>
           </a:xfrm>
           <a:prstGeom prst="rect">
@@ -19963,8 +20038,8 @@
         </p:nvSpPr>
         <p:spPr bwMode="auto">
           <a:xfrm>
-            <a:off x="6878207" y="2529000"/>
-            <a:ext cx="4032793" cy="2070000"/>
+            <a:off x="6911906" y="2709000"/>
+            <a:ext cx="4032793" cy="1247354"/>
           </a:xfrm>
           <a:prstGeom prst="wedgeRoundRectCallout">
             <a:avLst>
@@ -20015,12 +20090,9 @@
           <a:p>
             <a:pPr algn="ctr"/>
             <a:r>
-              <a:rPr lang="en-US" sz="2800" b="1" dirty="0">
-                <a:solidFill>
-                  <a:schemeClr val="accent1">
-                    <a:lumMod val="60000"/>
-                    <a:lumOff val="40000"/>
-                  </a:schemeClr>
+              <a:rPr lang="bg-BG" sz="2800" b="1" dirty="0">
+                <a:solidFill>
+                  <a:srgbClr val="FFFFFF"/>
                 </a:solidFill>
                 <a:effectLst>
                   <a:outerShdw blurRad="38100" dist="38100" dir="2700000" algn="tl">
@@ -20030,22 +20102,7 @@
                   </a:outerShdw>
                 </a:effectLst>
               </a:rPr>
-              <a:t>Advanced Find </a:t>
-            </a:r>
-            <a:r>
-              <a:rPr lang="bg-BG" sz="2800" b="1" dirty="0">
-                <a:solidFill>
-                  <a:srgbClr val="FFFFFF"/>
-                </a:solidFill>
-                <a:effectLst>
-                  <a:outerShdw blurRad="38100" dist="38100" dir="2700000" algn="tl">
-                    <a:srgbClr val="000000">
-                      <a:alpha val="43137"/>
-                    </a:srgbClr>
-                  </a:outerShdw>
-                </a:effectLst>
-              </a:rPr>
-              <a:t>(разширено търсене) се намира в падащото меню на </a:t>
+              <a:t>Намира се в падащото меню на </a:t>
             </a:r>
             <a:r>
               <a:rPr lang="en-US" sz="2800" b="1" dirty="0">
@@ -20480,7 +20537,7 @@
                   </a:outerShdw>
                 </a:effectLst>
               </a:rPr>
-              <a:t>Така се отваря диалогов прозорец </a:t>
+              <a:t>Отваря се диалогов прозорец </a:t>
             </a:r>
             <a:r>
               <a:rPr lang="en-US" sz="2800" b="1" dirty="0">
@@ -20692,11 +20749,32 @@
                   </a:outerShdw>
                 </a:effectLst>
               </a:rPr>
-              <a:t>се въвежда търсеният текст</a:t>
+              <a:t>се въвежда </a:t>
+            </a:r>
+            <a:r>
+              <a:rPr lang="bg-BG" sz="2800" b="1" dirty="0">
+                <a:solidFill>
+                  <a:schemeClr val="accent1">
+                    <a:lumMod val="60000"/>
+                    <a:lumOff val="40000"/>
+                  </a:schemeClr>
+                </a:solidFill>
+                <a:effectLst>
+                  <a:outerShdw blurRad="38100" dist="38100" dir="2700000" algn="tl">
+                    <a:srgbClr val="000000">
+                      <a:alpha val="43137"/>
+                    </a:srgbClr>
+                  </a:outerShdw>
+                </a:effectLst>
+              </a:rPr>
+              <a:t>търсеният текст</a:t>
             </a:r>
             <a:endParaRPr lang="en-US" sz="2800" b="1" dirty="0">
               <a:solidFill>
-                <a:srgbClr val="FFFFFF"/>
+                <a:schemeClr val="accent1">
+                  <a:lumMod val="60000"/>
+                  <a:lumOff val="40000"/>
+                </a:schemeClr>
               </a:solidFill>
               <a:effectLst>
                 <a:outerShdw blurRad="38100" dist="38100" dir="2700000" algn="tl">
@@ -20910,8 +20988,8 @@
         </p:nvSpPr>
         <p:spPr bwMode="auto">
           <a:xfrm>
-            <a:off x="5323739" y="3128650"/>
-            <a:ext cx="5940000" cy="1455596"/>
+            <a:off x="5323739" y="3128685"/>
+            <a:ext cx="5940000" cy="1140562"/>
           </a:xfrm>
           <a:prstGeom prst="wedgeRoundRectCallout">
             <a:avLst>
@@ -21030,13 +21108,13 @@
         </p:nvSpPr>
         <p:spPr bwMode="auto">
           <a:xfrm>
-            <a:off x="5324830" y="3113965"/>
-            <a:ext cx="5940000" cy="1455596"/>
+            <a:off x="5324830" y="3114000"/>
+            <a:ext cx="5940000" cy="1140561"/>
           </a:xfrm>
           <a:prstGeom prst="wedgeRoundRectCallout">
             <a:avLst>
-              <a:gd name="adj1" fmla="val -3806"/>
-              <a:gd name="adj2" fmla="val 92958"/>
+              <a:gd name="adj1" fmla="val -2622"/>
+              <a:gd name="adj2" fmla="val 134585"/>
               <a:gd name="adj3" fmla="val 16667"/>
             </a:avLst>
           </a:prstGeom>
@@ -21094,7 +21172,7 @@
                   </a:outerShdw>
                 </a:effectLst>
               </a:rPr>
-              <a:t>След като сме въвели някаква дума или изречение, натискаме </a:t>
+              <a:t>След като сме въвели търсения текст, натискаме </a:t>
             </a:r>
             <a:r>
               <a:rPr lang="en-US" sz="2800" b="1" dirty="0">

--- a/Courses/Computer-Modeling-and-IT/Computer-Modeling-and-IT-6-Class/06-Search-and-Replace-Text/06-Search-and-Replace-Text.pptx
+++ b/Courses/Computer-Modeling-and-IT/Computer-Modeling-and-IT-6-Class/06-Search-and-Replace-Text/06-Search-and-Replace-Text.pptx
@@ -347,7 +347,7 @@
           <a:p>
             <a:fld id="{4E087215-0C8F-4762-A664-737A353EC9A4}" type="datetimeFigureOut">
               <a:rPr lang="bg-BG" smtClean="0"/>
-              <a:t>7.06.24 г.</a:t>
+              <a:t>17.1.2025 г.</a:t>
             </a:fld>
             <a:endParaRPr lang="bg-BG"/>
           </a:p>
@@ -543,7 +543,7 @@
           <a:p>
             <a:fld id="{72D84649-876A-46C9-8472-14CB09C070D8}" type="datetimeFigureOut">
               <a:rPr lang="en-US" smtClean="0"/>
-              <a:t>6/7/24</a:t>
+              <a:t>1/17/2025</a:t>
             </a:fld>
             <a:endParaRPr lang="en-US"/>
           </a:p>
@@ -17900,10 +17900,10 @@
       </p:sp>
       <p:pic>
         <p:nvPicPr>
-          <p:cNvPr id="11" name="Picture 10" descr="A screenshot of a computer&#10;&#10;Description automatically generated">
+          <p:cNvPr id="6" name="Picture 5">
             <a:extLst>
               <a:ext uri="{FF2B5EF4-FFF2-40B4-BE49-F238E27FC236}">
-                <a16:creationId xmlns:a16="http://schemas.microsoft.com/office/drawing/2014/main" id="{6155A257-7053-4E29-C76C-94A5ECAB0B05}"/>
+                <a16:creationId xmlns:a16="http://schemas.microsoft.com/office/drawing/2014/main" id="{F1EDE25A-D313-1607-1086-DF9AFD1ED538}"/>
               </a:ext>
             </a:extLst>
           </p:cNvPr>
@@ -17913,21 +17913,15 @@
           <p:nvPr/>
         </p:nvPicPr>
         <p:blipFill>
-          <a:blip r:embed="rId2">
-            <a:extLst>
-              <a:ext uri="{28A0092B-C50C-407E-A947-70E740481C1C}">
-                <a14:useLocalDpi xmlns:a14="http://schemas.microsoft.com/office/drawing/2010/main" val="0"/>
-              </a:ext>
-            </a:extLst>
-          </a:blip>
+          <a:blip r:embed="rId2"/>
           <a:stretch>
             <a:fillRect/>
           </a:stretch>
         </p:blipFill>
         <p:spPr>
           <a:xfrm>
-            <a:off x="866599" y="3977123"/>
-            <a:ext cx="10458802" cy="2183028"/>
+            <a:off x="7131000" y="3609000"/>
+            <a:ext cx="2520000" cy="2772001"/>
           </a:xfrm>
           <a:prstGeom prst="rect">
             <a:avLst/>
@@ -17941,72 +17935,6 @@
           </a:ln>
         </p:spPr>
       </p:pic>
-      <p:sp>
-        <p:nvSpPr>
-          <p:cNvPr id="10" name="Rectangle 9"/>
-          <p:cNvSpPr/>
-          <p:nvPr/>
-        </p:nvSpPr>
-        <p:spPr bwMode="auto">
-          <a:xfrm>
-            <a:off x="9953204" y="4480615"/>
-            <a:ext cx="1362796" cy="1679536"/>
-          </a:xfrm>
-          <a:prstGeom prst="rect">
-            <a:avLst/>
-          </a:prstGeom>
-          <a:noFill/>
-          <a:ln w="57150">
-            <a:solidFill>
-              <a:schemeClr val="tx1">
-                <a:lumMod val="75000"/>
-                <a:alpha val="80000"/>
-              </a:schemeClr>
-            </a:solidFill>
-          </a:ln>
-          <a:effectLst/>
-        </p:spPr>
-        <p:style>
-          <a:lnRef idx="2">
-            <a:schemeClr val="accent1">
-              <a:shade val="50000"/>
-            </a:schemeClr>
-          </a:lnRef>
-          <a:fillRef idx="1001">
-            <a:schemeClr val="dk2"/>
-          </a:fillRef>
-          <a:effectRef idx="0">
-            <a:schemeClr val="accent1"/>
-          </a:effectRef>
-          <a:fontRef idx="minor">
-            <a:schemeClr val="lt1"/>
-          </a:fontRef>
-        </p:style>
-        <p:txBody>
-          <a:bodyPr rot="0" spcFirstLastPara="0" vertOverflow="overflow" horzOverflow="overflow" vert="horz" wrap="square" lIns="91440" tIns="45720" rIns="91440" bIns="45720" numCol="1" spcCol="0" rtlCol="0" fromWordArt="0" anchor="ctr" anchorCtr="0" forceAA="0" compatLnSpc="1">
-            <a:prstTxWarp prst="textNoShape">
-              <a:avLst/>
-            </a:prstTxWarp>
-            <a:noAutofit/>
-          </a:bodyPr>
-          <a:lstStyle/>
-          <a:p>
-            <a:pPr algn="ctr"/>
-            <a:endParaRPr lang="en-US" sz="2800" b="1" dirty="0">
-              <a:solidFill>
-                <a:srgbClr val="FFFFFF"/>
-              </a:solidFill>
-              <a:effectLst>
-                <a:outerShdw blurRad="38100" dist="38100" dir="2700000" algn="tl">
-                  <a:srgbClr val="000000">
-                    <a:alpha val="43137"/>
-                  </a:srgbClr>
-                </a:outerShdw>
-              </a:effectLst>
-            </a:endParaRPr>
-          </a:p>
-        </p:txBody>
-      </p:sp>
     </p:spTree>
     <p:extLst>
       <p:ext uri="{BB962C8B-B14F-4D97-AF65-F5344CB8AC3E}">
@@ -18095,7 +18023,7 @@
                             </p:stCondLst>
                             <p:childTnLst>
                               <p:par>
-                                <p:cTn id="9" presetID="1" presetClass="entr" presetSubtype="0" fill="hold" grpId="0" nodeType="clickEffect">
+                                <p:cTn id="9" presetID="1" presetClass="entr" presetSubtype="0" fill="hold" nodeType="clickEffect">
                                   <p:stCondLst>
                                     <p:cond delay="0"/>
                                   </p:stCondLst>
@@ -18108,7 +18036,7 @@
                                           </p:stCondLst>
                                         </p:cTn>
                                         <p:tgtEl>
-                                          <p:spTgt spid="10"/>
+                                          <p:spTgt spid="6"/>
                                         </p:tgtEl>
                                         <p:attrNameLst>
                                           <p:attrName>style.visibility</p:attrName>
@@ -18148,9 +18076,6 @@
         </p:cTn>
       </p:par>
     </p:tnLst>
-    <p:bldLst>
-      <p:bldP spid="10" grpId="0" animBg="1"/>
-    </p:bldLst>
   </p:timing>
 </p:sld>
 </file>

--- a/Courses/Computer-Modeling-and-IT/Computer-Modeling-and-IT-6-Class/06-Search-and-Replace-Text/06-Search-and-Replace-Text.pptx
+++ b/Courses/Computer-Modeling-and-IT/Computer-Modeling-and-IT-6-Class/06-Search-and-Replace-Text/06-Search-and-Replace-Text.pptx
@@ -213,46 +213,6 @@
 </p188:authorLst>
 </file>
 
-<file path=ppt/comments/modernComment_258_363CB300.xml><?xml version="1.0" encoding="utf-8"?>
-<p188:cmLst xmlns:a="http://schemas.openxmlformats.org/drawingml/2006/main" xmlns:r="http://schemas.openxmlformats.org/officeDocument/2006/relationships" xmlns:p188="http://schemas.microsoft.com/office/powerpoint/2018/8/main">
-  <p188:cm id="{04E8B3C1-5835-0144-BBAA-F3DD0753CCC2}" authorId="{61328A60-1351-1658-BC09-0F9214BEF0FD}" created="2024-06-07T12:59:59.738">
-    <ac:txMkLst xmlns:ac="http://schemas.microsoft.com/office/drawing/2013/main/command">
-      <pc:docMk xmlns:pc="http://schemas.microsoft.com/office/powerpoint/2013/main/command"/>
-      <pc:sldMk xmlns:pc="http://schemas.microsoft.com/office/powerpoint/2013/main/command" cId="909947648" sldId="600"/>
-      <ac:spMk id="3" creationId="{00000000-0000-0000-0000-000000000000}"/>
-      <ac:txMk cp="0" len="80">
-        <ac:context len="247" hash="4080383900"/>
-      </ac:txMk>
-    </ac:txMkLst>
-    <p188:pos x="6265482" y="434371"/>
-    <p188:replyLst>
-      <p188:reply id="{65E094F0-AC79-FE4C-A14F-C7E790A168F5}" authorId="{61328A60-1351-1658-BC09-0F9214BEF0FD}" created="2024-06-07T13:00:16.990">
-        <p188:txBody>
-          <a:bodyPr/>
-          <a:lstStyle/>
-          <a:p>
-            <a:r>
-              <a:rPr lang="bg-BG"/>
-              <a:t>Знам, че се вижда на скрийншота в предишния слайд, но според мен може да не направят връзката</a:t>
-            </a:r>
-          </a:p>
-        </p188:txBody>
-      </p188:reply>
-    </p188:replyLst>
-    <p188:txBody>
-      <a:bodyPr/>
-      <a:lstStyle/>
-      <a:p>
-        <a:r>
-          <a:rPr lang="bg-BG"/>
-          <a:t>TODO: да се покаже самия combo box. Също на български мисля че е "падащ списък"</a:t>
-        </a:r>
-      </a:p>
-    </p188:txBody>
-  </p188:cm>
-</p188:cmLst>
-</file>
-
 <file path=ppt/handoutMasters/handoutMaster1.xml><?xml version="1.0" encoding="utf-8"?>
 <p:handoutMaster xmlns:a="http://schemas.openxmlformats.org/drawingml/2006/main" xmlns:r="http://schemas.openxmlformats.org/officeDocument/2006/relationships" xmlns:p="http://schemas.openxmlformats.org/presentationml/2006/main">
   <p:cSld>
@@ -347,7 +307,7 @@
           <a:p>
             <a:fld id="{4E087215-0C8F-4762-A664-737A353EC9A4}" type="datetimeFigureOut">
               <a:rPr lang="bg-BG" smtClean="0"/>
-              <a:t>17.1.2025 г.</a:t>
+              <a:t>30.8.2025 г.</a:t>
             </a:fld>
             <a:endParaRPr lang="bg-BG"/>
           </a:p>
@@ -543,7 +503,7 @@
           <a:p>
             <a:fld id="{72D84649-876A-46C9-8472-14CB09C070D8}" type="datetimeFigureOut">
               <a:rPr lang="en-US" smtClean="0"/>
-              <a:t>1/17/2025</a:t>
+              <a:t>8/30/2025</a:t>
             </a:fld>
             <a:endParaRPr lang="en-US"/>
           </a:p>
@@ -9527,7 +9487,7 @@
           <a:p>
             <a:r>
               <a:rPr lang="bg-BG" dirty="0"/>
-              <a:t>От комбинираната текстова кутия </a:t>
+              <a:t>От падащия списък </a:t>
             </a:r>
             <a:r>
               <a:rPr lang="en-US" b="1" dirty="0">
@@ -9734,7 +9694,7 @@
           <p:nvPr/>
         </p:nvPicPr>
         <p:blipFill>
-          <a:blip r:embed="rId4" cstate="hqprint">
+          <a:blip r:embed="rId3" cstate="hqprint">
             <a:extLst>
               <a:ext uri="{28A0092B-C50C-407E-A947-70E740481C1C}">
                 <a14:useLocalDpi xmlns:a14="http://schemas.microsoft.com/office/drawing/2010/main" val="0"/>
@@ -9774,8 +9734,8 @@
         </p:nvSpPr>
         <p:spPr bwMode="auto">
           <a:xfrm>
-            <a:off x="5556000" y="1809000"/>
-            <a:ext cx="2165680" cy="1260000"/>
+            <a:off x="4836000" y="2079000"/>
+            <a:ext cx="2801237" cy="990000"/>
           </a:xfrm>
           <a:prstGeom prst="wedgeRoundRectCallout">
             <a:avLst>
@@ -9876,6 +9836,93 @@
           </a:p>
         </p:txBody>
       </p:sp>
+      <p:grpSp>
+        <p:nvGrpSpPr>
+          <p:cNvPr id="14" name="Group 13">
+            <a:extLst>
+              <a:ext uri="{FF2B5EF4-FFF2-40B4-BE49-F238E27FC236}">
+                <a16:creationId xmlns:a16="http://schemas.microsoft.com/office/drawing/2014/main" id="{BA64AD52-F6E7-D726-D312-78F298E41856}"/>
+              </a:ext>
+            </a:extLst>
+          </p:cNvPr>
+          <p:cNvGrpSpPr/>
+          <p:nvPr/>
+        </p:nvGrpSpPr>
+        <p:grpSpPr>
+          <a:xfrm>
+            <a:off x="5629575" y="3953533"/>
+            <a:ext cx="2094884" cy="1082339"/>
+            <a:chOff x="5629575" y="3953533"/>
+            <a:chExt cx="2094884" cy="1082339"/>
+          </a:xfrm>
+        </p:grpSpPr>
+        <p:pic>
+          <p:nvPicPr>
+            <p:cNvPr id="7" name="Picture 6">
+              <a:extLst>
+                <a:ext uri="{FF2B5EF4-FFF2-40B4-BE49-F238E27FC236}">
+                  <a16:creationId xmlns:a16="http://schemas.microsoft.com/office/drawing/2014/main" id="{8425E4F0-3227-309E-1A90-914F290F699F}"/>
+                </a:ext>
+              </a:extLst>
+            </p:cNvPr>
+            <p:cNvPicPr>
+              <a:picLocks noChangeAspect="1"/>
+            </p:cNvPicPr>
+            <p:nvPr/>
+          </p:nvPicPr>
+          <p:blipFill>
+            <a:blip r:embed="rId4"/>
+            <a:srcRect t="17423" r="2587" b="-1"/>
+            <a:stretch/>
+          </p:blipFill>
+          <p:spPr>
+            <a:xfrm>
+              <a:off x="5629575" y="3953533"/>
+              <a:ext cx="2094884" cy="422125"/>
+            </a:xfrm>
+            <a:prstGeom prst="rect">
+              <a:avLst/>
+            </a:prstGeom>
+            <a:ln>
+              <a:solidFill>
+                <a:schemeClr val="bg2">
+                  <a:lumMod val="75000"/>
+                </a:schemeClr>
+              </a:solidFill>
+            </a:ln>
+          </p:spPr>
+        </p:pic>
+        <p:pic>
+          <p:nvPicPr>
+            <p:cNvPr id="13" name="Picture 12">
+              <a:extLst>
+                <a:ext uri="{FF2B5EF4-FFF2-40B4-BE49-F238E27FC236}">
+                  <a16:creationId xmlns:a16="http://schemas.microsoft.com/office/drawing/2014/main" id="{50CD9875-BF2B-F859-67CA-75D60F6B0F7E}"/>
+                </a:ext>
+              </a:extLst>
+            </p:cNvPr>
+            <p:cNvPicPr>
+              <a:picLocks noChangeAspect="1"/>
+            </p:cNvPicPr>
+            <p:nvPr/>
+          </p:nvPicPr>
+          <p:blipFill>
+            <a:blip r:embed="rId5"/>
+            <a:stretch>
+              <a:fillRect/>
+            </a:stretch>
+          </p:blipFill>
+          <p:spPr>
+            <a:xfrm>
+              <a:off x="6542652" y="4323311"/>
+              <a:ext cx="1181807" cy="712561"/>
+            </a:xfrm>
+            <a:prstGeom prst="rect">
+              <a:avLst/>
+            </a:prstGeom>
+          </p:spPr>
+        </p:pic>
+      </p:grpSp>
     </p:spTree>
     <p:extLst>
       <p:ext uri="{BB962C8B-B14F-4D97-AF65-F5344CB8AC3E}">
@@ -9915,7 +9962,7 @@
                             </p:stCondLst>
                             <p:childTnLst>
                               <p:par>
-                                <p:cTn id="5" presetID="1" presetClass="entr" presetSubtype="0" fill="hold" grpId="0" nodeType="clickEffect">
+                                <p:cTn id="5" presetID="1" presetClass="entr" presetSubtype="0" fill="hold" nodeType="clickEffect">
                                   <p:stCondLst>
                                     <p:cond delay="0"/>
                                   </p:stCondLst>
@@ -9923,6 +9970,51 @@
                                     <p:set>
                                       <p:cBhvr>
                                         <p:cTn id="6" dur="1" fill="hold">
+                                          <p:stCondLst>
+                                            <p:cond delay="0"/>
+                                          </p:stCondLst>
+                                        </p:cTn>
+                                        <p:tgtEl>
+                                          <p:spTgt spid="14"/>
+                                        </p:tgtEl>
+                                        <p:attrNameLst>
+                                          <p:attrName>style.visibility</p:attrName>
+                                        </p:attrNameLst>
+                                      </p:cBhvr>
+                                      <p:to>
+                                        <p:strVal val="visible"/>
+                                      </p:to>
+                                    </p:set>
+                                  </p:childTnLst>
+                                </p:cTn>
+                              </p:par>
+                            </p:childTnLst>
+                          </p:cTn>
+                        </p:par>
+                      </p:childTnLst>
+                    </p:cTn>
+                  </p:par>
+                  <p:par>
+                    <p:cTn id="7" fill="hold">
+                      <p:stCondLst>
+                        <p:cond delay="indefinite"/>
+                      </p:stCondLst>
+                      <p:childTnLst>
+                        <p:par>
+                          <p:cTn id="8" fill="hold">
+                            <p:stCondLst>
+                              <p:cond delay="0"/>
+                            </p:stCondLst>
+                            <p:childTnLst>
+                              <p:par>
+                                <p:cTn id="9" presetID="1" presetClass="entr" presetSubtype="0" fill="hold" grpId="0" nodeType="clickEffect">
+                                  <p:stCondLst>
+                                    <p:cond delay="0"/>
+                                  </p:stCondLst>
+                                  <p:childTnLst>
+                                    <p:set>
+                                      <p:cBhvr>
+                                        <p:cTn id="10" dur="1" fill="hold">
                                           <p:stCondLst>
                                             <p:cond delay="0"/>
                                           </p:stCondLst>
@@ -9942,14 +10034,41 @@
                                 </p:cTn>
                               </p:par>
                               <p:par>
-                                <p:cTn id="7" presetID="1" presetClass="entr" presetSubtype="0" fill="hold" grpId="0" nodeType="withEffect">
+                                <p:cTn id="11" presetID="1" presetClass="exit" presetSubtype="0" fill="hold" nodeType="withEffect">
                                   <p:stCondLst>
                                     <p:cond delay="0"/>
                                   </p:stCondLst>
                                   <p:childTnLst>
                                     <p:set>
                                       <p:cBhvr>
-                                        <p:cTn id="8" dur="1" fill="hold">
+                                        <p:cTn id="12" dur="1" fill="hold">
+                                          <p:stCondLst>
+                                            <p:cond delay="0"/>
+                                          </p:stCondLst>
+                                        </p:cTn>
+                                        <p:tgtEl>
+                                          <p:spTgt spid="14"/>
+                                        </p:tgtEl>
+                                        <p:attrNameLst>
+                                          <p:attrName>style.visibility</p:attrName>
+                                        </p:attrNameLst>
+                                      </p:cBhvr>
+                                      <p:to>
+                                        <p:strVal val="hidden"/>
+                                      </p:to>
+                                    </p:set>
+                                  </p:childTnLst>
+                                </p:cTn>
+                              </p:par>
+                              <p:par>
+                                <p:cTn id="13" presetID="1" presetClass="entr" presetSubtype="0" fill="hold" grpId="0" nodeType="withEffect">
+                                  <p:stCondLst>
+                                    <p:cond delay="0"/>
+                                  </p:stCondLst>
+                                  <p:childTnLst>
+                                    <p:set>
+                                      <p:cBhvr>
+                                        <p:cTn id="14" dur="1" fill="hold">
                                           <p:stCondLst>
                                             <p:cond delay="0"/>
                                           </p:stCondLst>
@@ -9969,14 +10088,14 @@
                                 </p:cTn>
                               </p:par>
                               <p:par>
-                                <p:cTn id="9" presetID="1" presetClass="entr" presetSubtype="0" fill="hold" nodeType="withEffect">
+                                <p:cTn id="15" presetID="1" presetClass="entr" presetSubtype="0" fill="hold" nodeType="withEffect">
                                   <p:stCondLst>
                                     <p:cond delay="0"/>
                                   </p:stCondLst>
                                   <p:childTnLst>
                                     <p:set>
                                       <p:cBhvr>
-                                        <p:cTn id="10" dur="1" fill="hold">
+                                        <p:cTn id="16" dur="1" fill="hold">
                                           <p:stCondLst>
                                             <p:cond delay="0"/>
                                           </p:stCondLst>
@@ -10002,26 +10121,26 @@
                     </p:cTn>
                   </p:par>
                   <p:par>
-                    <p:cTn id="11" fill="hold">
+                    <p:cTn id="17" fill="hold">
                       <p:stCondLst>
                         <p:cond delay="indefinite"/>
                       </p:stCondLst>
                       <p:childTnLst>
                         <p:par>
-                          <p:cTn id="12" fill="hold">
+                          <p:cTn id="18" fill="hold">
                             <p:stCondLst>
                               <p:cond delay="0"/>
                             </p:stCondLst>
                             <p:childTnLst>
                               <p:par>
-                                <p:cTn id="13" presetID="1" presetClass="entr" presetSubtype="0" fill="hold" nodeType="clickEffect">
+                                <p:cTn id="19" presetID="1" presetClass="entr" presetSubtype="0" fill="hold" nodeType="clickEffect">
                                   <p:stCondLst>
                                     <p:cond delay="0"/>
                                   </p:stCondLst>
                                   <p:childTnLst>
                                     <p:set>
                                       <p:cBhvr>
-                                        <p:cTn id="14" dur="1" fill="hold">
+                                        <p:cTn id="20" dur="1" fill="hold">
                                           <p:stCondLst>
                                             <p:cond delay="0"/>
                                           </p:stCondLst>
@@ -10051,26 +10170,26 @@
                     </p:cTn>
                   </p:par>
                   <p:par>
-                    <p:cTn id="15" fill="hold">
+                    <p:cTn id="21" fill="hold">
                       <p:stCondLst>
                         <p:cond delay="indefinite"/>
                       </p:stCondLst>
                       <p:childTnLst>
                         <p:par>
-                          <p:cTn id="16" fill="hold">
+                          <p:cTn id="22" fill="hold">
                             <p:stCondLst>
                               <p:cond delay="0"/>
                             </p:stCondLst>
                             <p:childTnLst>
                               <p:par>
-                                <p:cTn id="17" presetID="1" presetClass="entr" presetSubtype="0" fill="hold" nodeType="clickEffect">
+                                <p:cTn id="23" presetID="1" presetClass="entr" presetSubtype="0" fill="hold" nodeType="clickEffect">
                                   <p:stCondLst>
                                     <p:cond delay="0"/>
                                   </p:stCondLst>
                                   <p:childTnLst>
                                     <p:set>
                                       <p:cBhvr>
-                                        <p:cTn id="18" dur="1" fill="hold">
+                                        <p:cTn id="24" dur="1" fill="hold">
                                           <p:stCondLst>
                                             <p:cond delay="0"/>
                                           </p:stCondLst>
@@ -10100,95 +10219,19 @@
                     </p:cTn>
                   </p:par>
                   <p:par>
-                    <p:cTn id="19" fill="hold">
+                    <p:cTn id="25" fill="hold">
                       <p:stCondLst>
                         <p:cond delay="indefinite"/>
                       </p:stCondLst>
                       <p:childTnLst>
                         <p:par>
-                          <p:cTn id="20" fill="hold">
+                          <p:cTn id="26" fill="hold">
                             <p:stCondLst>
                               <p:cond delay="0"/>
                             </p:stCondLst>
                             <p:childTnLst>
                               <p:par>
-                                <p:cTn id="21" presetID="1" presetClass="entr" presetSubtype="0" fill="hold" grpId="0" nodeType="clickEffect">
-                                  <p:stCondLst>
-                                    <p:cond delay="0"/>
-                                  </p:stCondLst>
-                                  <p:childTnLst>
-                                    <p:set>
-                                      <p:cBhvr>
-                                        <p:cTn id="22" dur="1" fill="hold">
-                                          <p:stCondLst>
-                                            <p:cond delay="0"/>
-                                          </p:stCondLst>
-                                        </p:cTn>
-                                        <p:tgtEl>
-                                          <p:spTgt spid="12"/>
-                                        </p:tgtEl>
-                                        <p:attrNameLst>
-                                          <p:attrName>style.visibility</p:attrName>
-                                        </p:attrNameLst>
-                                      </p:cBhvr>
-                                      <p:to>
-                                        <p:strVal val="visible"/>
-                                      </p:to>
-                                    </p:set>
-                                  </p:childTnLst>
-                                </p:cTn>
-                              </p:par>
-                            </p:childTnLst>
-                          </p:cTn>
-                        </p:par>
-                      </p:childTnLst>
-                    </p:cTn>
-                  </p:par>
-                  <p:par>
-                    <p:cTn id="23" fill="hold">
-                      <p:stCondLst>
-                        <p:cond delay="indefinite"/>
-                      </p:stCondLst>
-                      <p:childTnLst>
-                        <p:par>
-                          <p:cTn id="24" fill="hold">
-                            <p:stCondLst>
-                              <p:cond delay="0"/>
-                            </p:stCondLst>
-                            <p:childTnLst>
-                              <p:par>
-                                <p:cTn id="25" presetID="1" presetClass="entr" presetSubtype="0" fill="hold" nodeType="clickEffect">
-                                  <p:stCondLst>
-                                    <p:cond delay="0"/>
-                                  </p:stCondLst>
-                                  <p:childTnLst>
-                                    <p:set>
-                                      <p:cBhvr>
-                                        <p:cTn id="26" dur="1" fill="hold">
-                                          <p:stCondLst>
-                                            <p:cond delay="0"/>
-                                          </p:stCondLst>
-                                        </p:cTn>
-                                        <p:tgtEl>
-                                          <p:spTgt spid="3">
-                                            <p:txEl>
-                                              <p:pRg st="3" end="3"/>
-                                            </p:txEl>
-                                          </p:spTgt>
-                                        </p:tgtEl>
-                                        <p:attrNameLst>
-                                          <p:attrName>style.visibility</p:attrName>
-                                        </p:attrNameLst>
-                                      </p:cBhvr>
-                                      <p:to>
-                                        <p:strVal val="visible"/>
-                                      </p:to>
-                                    </p:set>
-                                  </p:childTnLst>
-                                </p:cTn>
-                              </p:par>
-                              <p:par>
-                                <p:cTn id="27" presetID="1" presetClass="exit" presetSubtype="0" fill="hold" grpId="1" nodeType="withEffect">
+                                <p:cTn id="27" presetID="1" presetClass="entr" presetSubtype="0" fill="hold" grpId="0" nodeType="clickEffect">
                                   <p:stCondLst>
                                     <p:cond delay="0"/>
                                   </p:stCondLst>
@@ -10208,7 +10251,7 @@
                                         </p:attrNameLst>
                                       </p:cBhvr>
                                       <p:to>
-                                        <p:strVal val="hidden"/>
+                                        <p:strVal val="visible"/>
                                       </p:to>
                                     </p:set>
                                   </p:childTnLst>
@@ -10248,6 +10291,82 @@
                                         <p:tgtEl>
                                           <p:spTgt spid="3">
                                             <p:txEl>
+                                              <p:pRg st="3" end="3"/>
+                                            </p:txEl>
+                                          </p:spTgt>
+                                        </p:tgtEl>
+                                        <p:attrNameLst>
+                                          <p:attrName>style.visibility</p:attrName>
+                                        </p:attrNameLst>
+                                      </p:cBhvr>
+                                      <p:to>
+                                        <p:strVal val="visible"/>
+                                      </p:to>
+                                    </p:set>
+                                  </p:childTnLst>
+                                </p:cTn>
+                              </p:par>
+                              <p:par>
+                                <p:cTn id="33" presetID="1" presetClass="exit" presetSubtype="0" fill="hold" grpId="1" nodeType="withEffect">
+                                  <p:stCondLst>
+                                    <p:cond delay="0"/>
+                                  </p:stCondLst>
+                                  <p:childTnLst>
+                                    <p:set>
+                                      <p:cBhvr>
+                                        <p:cTn id="34" dur="1" fill="hold">
+                                          <p:stCondLst>
+                                            <p:cond delay="0"/>
+                                          </p:stCondLst>
+                                        </p:cTn>
+                                        <p:tgtEl>
+                                          <p:spTgt spid="12"/>
+                                        </p:tgtEl>
+                                        <p:attrNameLst>
+                                          <p:attrName>style.visibility</p:attrName>
+                                        </p:attrNameLst>
+                                      </p:cBhvr>
+                                      <p:to>
+                                        <p:strVal val="hidden"/>
+                                      </p:to>
+                                    </p:set>
+                                  </p:childTnLst>
+                                </p:cTn>
+                              </p:par>
+                            </p:childTnLst>
+                          </p:cTn>
+                        </p:par>
+                      </p:childTnLst>
+                    </p:cTn>
+                  </p:par>
+                  <p:par>
+                    <p:cTn id="35" fill="hold">
+                      <p:stCondLst>
+                        <p:cond delay="indefinite"/>
+                      </p:stCondLst>
+                      <p:childTnLst>
+                        <p:par>
+                          <p:cTn id="36" fill="hold">
+                            <p:stCondLst>
+                              <p:cond delay="0"/>
+                            </p:stCondLst>
+                            <p:childTnLst>
+                              <p:par>
+                                <p:cTn id="37" presetID="1" presetClass="entr" presetSubtype="0" fill="hold" nodeType="clickEffect">
+                                  <p:stCondLst>
+                                    <p:cond delay="0"/>
+                                  </p:stCondLst>
+                                  <p:childTnLst>
+                                    <p:set>
+                                      <p:cBhvr>
+                                        <p:cTn id="38" dur="1" fill="hold">
+                                          <p:stCondLst>
+                                            <p:cond delay="0"/>
+                                          </p:stCondLst>
+                                        </p:cTn>
+                                        <p:tgtEl>
+                                          <p:spTgt spid="3">
+                                            <p:txEl>
                                               <p:pRg st="4" end="4"/>
                                             </p:txEl>
                                           </p:spTgt>
@@ -10264,14 +10383,14 @@
                                 </p:cTn>
                               </p:par>
                               <p:par>
-                                <p:cTn id="33" presetID="1" presetClass="entr" presetSubtype="0" fill="hold" grpId="0" nodeType="withEffect">
+                                <p:cTn id="39" presetID="1" presetClass="entr" presetSubtype="0" fill="hold" grpId="0" nodeType="withEffect">
                                   <p:stCondLst>
                                     <p:cond delay="0"/>
                                   </p:stCondLst>
                                   <p:childTnLst>
                                     <p:set>
                                       <p:cBhvr>
-                                        <p:cTn id="34" dur="1" fill="hold">
+                                        <p:cTn id="40" dur="1" fill="hold">
                                           <p:stCondLst>
                                             <p:cond delay="0"/>
                                           </p:stCondLst>
@@ -10291,14 +10410,14 @@
                                 </p:cTn>
                               </p:par>
                               <p:par>
-                                <p:cTn id="35" presetID="1" presetClass="entr" presetSubtype="0" fill="hold" grpId="0" nodeType="withEffect">
+                                <p:cTn id="41" presetID="1" presetClass="entr" presetSubtype="0" fill="hold" grpId="0" nodeType="withEffect">
                                   <p:stCondLst>
                                     <p:cond delay="0"/>
                                   </p:stCondLst>
                                   <p:childTnLst>
                                     <p:set>
                                       <p:cBhvr>
-                                        <p:cTn id="36" dur="1" fill="hold">
+                                        <p:cTn id="42" dur="1" fill="hold">
                                           <p:stCondLst>
                                             <p:cond delay="0"/>
                                           </p:stCondLst>
@@ -10324,26 +10443,26 @@
                     </p:cTn>
                   </p:par>
                   <p:par>
-                    <p:cTn id="37" fill="hold">
+                    <p:cTn id="43" fill="hold">
                       <p:stCondLst>
                         <p:cond delay="indefinite"/>
                       </p:stCondLst>
                       <p:childTnLst>
                         <p:par>
-                          <p:cTn id="38" fill="hold">
+                          <p:cTn id="44" fill="hold">
                             <p:stCondLst>
                               <p:cond delay="0"/>
                             </p:stCondLst>
                             <p:childTnLst>
                               <p:par>
-                                <p:cTn id="39" presetID="1" presetClass="entr" presetSubtype="0" fill="hold" nodeType="clickEffect">
+                                <p:cTn id="45" presetID="1" presetClass="entr" presetSubtype="0" fill="hold" nodeType="clickEffect">
                                   <p:stCondLst>
                                     <p:cond delay="0"/>
                                   </p:stCondLst>
                                   <p:childTnLst>
                                     <p:set>
                                       <p:cBhvr>
-                                        <p:cTn id="40" dur="1" fill="hold">
+                                        <p:cTn id="46" dur="1" fill="hold">
                                           <p:stCondLst>
                                             <p:cond delay="0"/>
                                           </p:stCondLst>
@@ -10367,14 +10486,14 @@
                                 </p:cTn>
                               </p:par>
                               <p:par>
-                                <p:cTn id="41" presetID="1" presetClass="exit" presetSubtype="0" fill="hold" grpId="1" nodeType="withEffect">
+                                <p:cTn id="47" presetID="1" presetClass="exit" presetSubtype="0" fill="hold" grpId="1" nodeType="withEffect">
                                   <p:stCondLst>
                                     <p:cond delay="0"/>
                                   </p:stCondLst>
                                   <p:childTnLst>
                                     <p:set>
                                       <p:cBhvr>
-                                        <p:cTn id="42" dur="1" fill="hold">
+                                        <p:cTn id="48" dur="1" fill="hold">
                                           <p:stCondLst>
                                             <p:cond delay="0"/>
                                           </p:stCondLst>
@@ -10394,14 +10513,14 @@
                                 </p:cTn>
                               </p:par>
                               <p:par>
-                                <p:cTn id="43" presetID="1" presetClass="exit" presetSubtype="0" fill="hold" grpId="1" nodeType="withEffect">
+                                <p:cTn id="49" presetID="1" presetClass="exit" presetSubtype="0" fill="hold" grpId="1" nodeType="withEffect">
                                   <p:stCondLst>
                                     <p:cond delay="0"/>
                                   </p:stCondLst>
                                   <p:childTnLst>
                                     <p:set>
                                       <p:cBhvr>
-                                        <p:cTn id="44" dur="1" fill="hold">
+                                        <p:cTn id="50" dur="1" fill="hold">
                                           <p:stCondLst>
                                             <p:cond delay="0"/>
                                           </p:stCondLst>
@@ -10427,26 +10546,26 @@
                     </p:cTn>
                   </p:par>
                   <p:par>
-                    <p:cTn id="45" fill="hold">
+                    <p:cTn id="51" fill="hold">
                       <p:stCondLst>
                         <p:cond delay="indefinite"/>
                       </p:stCondLst>
                       <p:childTnLst>
                         <p:par>
-                          <p:cTn id="46" fill="hold">
+                          <p:cTn id="52" fill="hold">
                             <p:stCondLst>
                               <p:cond delay="0"/>
                             </p:stCondLst>
                             <p:childTnLst>
                               <p:par>
-                                <p:cTn id="47" presetID="1" presetClass="entr" presetSubtype="0" fill="hold" nodeType="clickEffect">
+                                <p:cTn id="53" presetID="1" presetClass="entr" presetSubtype="0" fill="hold" nodeType="clickEffect">
                                   <p:stCondLst>
                                     <p:cond delay="0"/>
                                   </p:stCondLst>
                                   <p:childTnLst>
                                     <p:set>
                                       <p:cBhvr>
-                                        <p:cTn id="48" dur="1" fill="hold">
+                                        <p:cTn id="54" dur="1" fill="hold">
                                           <p:stCondLst>
                                             <p:cond delay="0"/>
                                           </p:stCondLst>
@@ -10470,14 +10589,14 @@
                                 </p:cTn>
                               </p:par>
                               <p:par>
-                                <p:cTn id="49" presetID="1" presetClass="entr" presetSubtype="0" fill="hold" grpId="2" nodeType="withEffect">
+                                <p:cTn id="55" presetID="1" presetClass="entr" presetSubtype="0" fill="hold" grpId="2" nodeType="withEffect">
                                   <p:stCondLst>
                                     <p:cond delay="0"/>
                                   </p:stCondLst>
                                   <p:childTnLst>
                                     <p:set>
                                       <p:cBhvr>
-                                        <p:cTn id="50" dur="1" fill="hold">
+                                        <p:cTn id="56" dur="1" fill="hold">
                                           <p:stCondLst>
                                             <p:cond delay="0"/>
                                           </p:stCondLst>
@@ -10497,14 +10616,14 @@
                                 </p:cTn>
                               </p:par>
                               <p:par>
-                                <p:cTn id="51" presetID="1" presetClass="entr" presetSubtype="0" fill="hold" grpId="2" nodeType="withEffect">
+                                <p:cTn id="57" presetID="1" presetClass="entr" presetSubtype="0" fill="hold" grpId="2" nodeType="withEffect">
                                   <p:stCondLst>
                                     <p:cond delay="0"/>
                                   </p:stCondLst>
                                   <p:childTnLst>
                                     <p:set>
                                       <p:cBhvr>
-                                        <p:cTn id="52" dur="1" fill="hold">
+                                        <p:cTn id="58" dur="1" fill="hold">
                                           <p:stCondLst>
                                             <p:cond delay="0"/>
                                           </p:stCondLst>
@@ -10524,14 +10643,14 @@
                                 </p:cTn>
                               </p:par>
                               <p:par>
-                                <p:cTn id="53" presetID="1" presetClass="entr" presetSubtype="0" fill="hold" grpId="2" nodeType="withEffect">
+                                <p:cTn id="59" presetID="1" presetClass="entr" presetSubtype="0" fill="hold" grpId="2" nodeType="withEffect">
                                   <p:stCondLst>
                                     <p:cond delay="0"/>
                                   </p:stCondLst>
                                   <p:childTnLst>
                                     <p:set>
                                       <p:cBhvr>
-                                        <p:cTn id="54" dur="1" fill="hold">
+                                        <p:cTn id="60" dur="1" fill="hold">
                                           <p:stCondLst>
                                             <p:cond delay="0"/>
                                           </p:stCondLst>
@@ -10591,11 +10710,6 @@
       <p:bldP spid="8" grpId="0" animBg="1"/>
     </p:bldLst>
   </p:timing>
-  <p:extLst>
-    <p:ext uri="{6950BFC3-D8DA-4A85-94F7-54DA5524770B}">
-      <p188:commentRel xmlns:p188="http://schemas.microsoft.com/office/powerpoint/2018/8/main" r:id="rId3"/>
-    </p:ext>
-  </p:extLst>
 </p:sld>
 </file>
 
@@ -12497,8 +12611,14 @@
           <p:nvPr/>
         </p:nvPicPr>
         <p:blipFill rotWithShape="1">
-          <a:blip r:embed="rId2"/>
-          <a:srcRect r="4735"/>
+          <a:blip r:embed="rId2">
+            <a:extLst>
+              <a:ext uri="{28A0092B-C50C-407E-A947-70E740481C1C}">
+                <a14:useLocalDpi xmlns:a14="http://schemas.microsoft.com/office/drawing/2010/main" val="0"/>
+              </a:ext>
+            </a:extLst>
+          </a:blip>
+          <a:srcRect l="2527" r="2527"/>
           <a:stretch/>
         </p:blipFill>
         <p:spPr>
@@ -15673,12 +15793,16 @@
               <a:t>С помощта на бутона </a:t>
             </a:r>
             <a:r>
+              <a:rPr lang="en-GB" dirty="0"/>
+              <a:t>[</a:t>
+            </a:r>
+            <a:r>
               <a:rPr lang="en-US" b="1" dirty="0"/>
               <a:t>F1</a:t>
             </a:r>
             <a:r>
               <a:rPr lang="en-US" dirty="0"/>
-              <a:t> </a:t>
+              <a:t>] </a:t>
             </a:r>
             <a:r>
               <a:rPr lang="bg-BG" dirty="0"/>
@@ -15751,19 +15875,31 @@
           <p:nvPr/>
         </p:nvPicPr>
         <p:blipFill>
-          <a:blip r:embed="rId3"/>
-          <a:stretch>
-            <a:fillRect/>
-          </a:stretch>
+          <a:blip r:embed="rId3">
+            <a:extLst>
+              <a:ext uri="{28A0092B-C50C-407E-A947-70E740481C1C}">
+                <a14:useLocalDpi xmlns:a14="http://schemas.microsoft.com/office/drawing/2010/main" val="0"/>
+              </a:ext>
+            </a:extLst>
+          </a:blip>
+          <a:srcRect b="22181"/>
+          <a:stretch/>
         </p:blipFill>
         <p:spPr>
           <a:xfrm>
-            <a:off x="6926617" y="1236361"/>
-            <a:ext cx="3905795" cy="5477639"/>
+            <a:off x="7221000" y="1256673"/>
+            <a:ext cx="3922296" cy="5460943"/>
           </a:xfrm>
           <a:prstGeom prst="rect">
             <a:avLst/>
           </a:prstGeom>
+          <a:ln>
+            <a:solidFill>
+              <a:schemeClr val="bg2">
+                <a:lumMod val="75000"/>
+              </a:schemeClr>
+            </a:solidFill>
+          </a:ln>
         </p:spPr>
       </p:pic>
     </p:spTree>
@@ -18106,19 +18242,31 @@
           <p:nvPr/>
         </p:nvPicPr>
         <p:blipFill>
-          <a:blip r:embed="rId2"/>
-          <a:stretch>
-            <a:fillRect/>
-          </a:stretch>
+          <a:blip r:embed="rId2">
+            <a:extLst>
+              <a:ext uri="{28A0092B-C50C-407E-A947-70E740481C1C}">
+                <a14:useLocalDpi xmlns:a14="http://schemas.microsoft.com/office/drawing/2010/main" val="0"/>
+              </a:ext>
+            </a:extLst>
+          </a:blip>
+          <a:srcRect/>
+          <a:stretch/>
         </p:blipFill>
         <p:spPr>
           <a:xfrm>
-            <a:off x="1140839" y="1224000"/>
-            <a:ext cx="9910322" cy="5466482"/>
+            <a:off x="1237739" y="1224000"/>
+            <a:ext cx="9716521" cy="5466482"/>
           </a:xfrm>
           <a:prstGeom prst="rect">
             <a:avLst/>
           </a:prstGeom>
+          <a:ln>
+            <a:solidFill>
+              <a:schemeClr val="bg2">
+                <a:lumMod val="75000"/>
+              </a:schemeClr>
+            </a:solidFill>
+          </a:ln>
         </p:spPr>
       </p:pic>
       <p:sp>
@@ -18176,13 +18324,13 @@
         </p:nvSpPr>
         <p:spPr bwMode="auto">
           <a:xfrm>
-            <a:off x="7446000" y="2484000"/>
+            <a:off x="8526000" y="2664000"/>
             <a:ext cx="2340000" cy="1160475"/>
           </a:xfrm>
           <a:prstGeom prst="wedgeRoundRectCallout">
             <a:avLst>
-              <a:gd name="adj1" fmla="val 56914"/>
-              <a:gd name="adj2" fmla="val -91714"/>
+              <a:gd name="adj1" fmla="val -50873"/>
+              <a:gd name="adj2" fmla="val -107473"/>
               <a:gd name="adj3" fmla="val 16667"/>
             </a:avLst>
           </a:prstGeom>
@@ -18316,7 +18464,7 @@
         </p:nvSpPr>
         <p:spPr bwMode="auto">
           <a:xfrm>
-            <a:off x="3441000" y="1809000"/>
+            <a:off x="3576000" y="1944000"/>
             <a:ext cx="3150000" cy="945000"/>
           </a:xfrm>
           <a:prstGeom prst="wedgeRoundRectCallout">
@@ -18614,8 +18762,8 @@
         </p:nvSpPr>
         <p:spPr bwMode="auto">
           <a:xfrm>
-            <a:off x="1179750" y="3339043"/>
-            <a:ext cx="1912500" cy="405000"/>
+            <a:off x="1250939" y="3115440"/>
+            <a:ext cx="1605061" cy="448560"/>
           </a:xfrm>
           <a:prstGeom prst="rect">
             <a:avLst/>
@@ -18982,15 +19130,20 @@
           <p:nvPr/>
         </p:nvPicPr>
         <p:blipFill>
-          <a:blip r:embed="rId2"/>
-          <a:stretch>
-            <a:fillRect/>
-          </a:stretch>
+          <a:blip r:embed="rId2">
+            <a:extLst>
+              <a:ext uri="{28A0092B-C50C-407E-A947-70E740481C1C}">
+                <a14:useLocalDpi xmlns:a14="http://schemas.microsoft.com/office/drawing/2010/main" val="0"/>
+              </a:ext>
+            </a:extLst>
+          </a:blip>
+          <a:srcRect/>
+          <a:stretch/>
         </p:blipFill>
         <p:spPr>
           <a:xfrm>
-            <a:off x="1140840" y="1224000"/>
-            <a:ext cx="9910322" cy="5466482"/>
+            <a:off x="1237740" y="1224000"/>
+            <a:ext cx="9716521" cy="5466482"/>
           </a:xfrm>
           <a:prstGeom prst="rect">
             <a:avLst/>
@@ -19005,7 +19158,7 @@
         </p:nvSpPr>
         <p:spPr bwMode="auto">
           <a:xfrm>
-            <a:off x="2813055" y="1886277"/>
+            <a:off x="2721000" y="1687886"/>
             <a:ext cx="3240000" cy="1503000"/>
           </a:xfrm>
           <a:prstGeom prst="wedgeRoundRectCallout">
@@ -19181,13 +19334,13 @@
         </p:nvSpPr>
         <p:spPr bwMode="auto">
           <a:xfrm>
-            <a:off x="3891000" y="5139000"/>
+            <a:off x="4183500" y="5228999"/>
             <a:ext cx="5894999" cy="1170000"/>
           </a:xfrm>
           <a:prstGeom prst="wedgeRoundRectCallout">
             <a:avLst>
-              <a:gd name="adj1" fmla="val -58307"/>
-              <a:gd name="adj2" fmla="val -31710"/>
+              <a:gd name="adj1" fmla="val -57176"/>
+              <a:gd name="adj2" fmla="val -26825"/>
               <a:gd name="adj3" fmla="val 16667"/>
             </a:avLst>
           </a:prstGeom>
@@ -19381,8 +19534,8 @@
         </p:nvSpPr>
         <p:spPr bwMode="auto">
           <a:xfrm>
-            <a:off x="1236000" y="3879000"/>
-            <a:ext cx="2067688" cy="1845000"/>
+            <a:off x="1326000" y="3629872"/>
+            <a:ext cx="2340000" cy="2184127"/>
           </a:xfrm>
           <a:prstGeom prst="rect">
             <a:avLst/>
@@ -19452,8 +19605,8 @@
           </a:xfrm>
           <a:prstGeom prst="wedgeRoundRectCallout">
             <a:avLst>
-              <a:gd name="adj1" fmla="val -65078"/>
-              <a:gd name="adj2" fmla="val 59771"/>
+              <a:gd name="adj1" fmla="val -58063"/>
+              <a:gd name="adj2" fmla="val 54072"/>
               <a:gd name="adj3" fmla="val 16667"/>
             </a:avLst>
           </a:prstGeom>
@@ -19909,15 +20062,20 @@
           <p:nvPr/>
         </p:nvPicPr>
         <p:blipFill>
-          <a:blip r:embed="rId3"/>
-          <a:stretch>
-            <a:fillRect/>
-          </a:stretch>
+          <a:blip r:embed="rId3">
+            <a:extLst>
+              <a:ext uri="{28A0092B-C50C-407E-A947-70E740481C1C}">
+                <a14:useLocalDpi xmlns:a14="http://schemas.microsoft.com/office/drawing/2010/main" val="0"/>
+              </a:ext>
+            </a:extLst>
+          </a:blip>
+          <a:srcRect/>
+          <a:stretch/>
         </p:blipFill>
         <p:spPr>
           <a:xfrm>
-            <a:off x="3865093" y="3069000"/>
-            <a:ext cx="1980000" cy="2434866"/>
+            <a:off x="3865093" y="3143218"/>
+            <a:ext cx="1980000" cy="2286429"/>
           </a:xfrm>
           <a:prstGeom prst="rect">
             <a:avLst/>
@@ -19940,15 +20098,20 @@
           <p:nvPr/>
         </p:nvPicPr>
         <p:blipFill>
-          <a:blip r:embed="rId4"/>
-          <a:stretch>
-            <a:fillRect/>
-          </a:stretch>
+          <a:blip r:embed="rId4">
+            <a:extLst>
+              <a:ext uri="{28A0092B-C50C-407E-A947-70E740481C1C}">
+                <a14:useLocalDpi xmlns:a14="http://schemas.microsoft.com/office/drawing/2010/main" val="0"/>
+              </a:ext>
+            </a:extLst>
+          </a:blip>
+          <a:srcRect/>
+          <a:stretch/>
         </p:blipFill>
         <p:spPr>
           <a:xfrm>
-            <a:off x="3081000" y="3834295"/>
-            <a:ext cx="3548186" cy="1847001"/>
+            <a:off x="3259955" y="3834295"/>
+            <a:ext cx="3190275" cy="1847001"/>
           </a:xfrm>
           <a:prstGeom prst="rect">
             <a:avLst/>
@@ -19968,8 +20131,8 @@
           </a:xfrm>
           <a:prstGeom prst="wedgeRoundRectCallout">
             <a:avLst>
-              <a:gd name="adj1" fmla="val -80606"/>
-              <a:gd name="adj2" fmla="val -615"/>
+              <a:gd name="adj1" fmla="val -79661"/>
+              <a:gd name="adj2" fmla="val 16948"/>
               <a:gd name="adj3" fmla="val 16667"/>
             </a:avLst>
           </a:prstGeom>
